--- a/Project 1 Presentation.pptx
+++ b/Project 1 Presentation.pptx
@@ -5,22 +5,26 @@
     <p:sldMasterId id="2147483648" r:id="rId4"/>
   </p:sldMasterIdLst>
   <p:notesMasterIdLst>
-    <p:notesMasterId r:id="rId15"/>
+    <p:notesMasterId r:id="rId19"/>
   </p:notesMasterIdLst>
   <p:handoutMasterIdLst>
-    <p:handoutMasterId r:id="rId16"/>
+    <p:handoutMasterId r:id="rId20"/>
   </p:handoutMasterIdLst>
   <p:sldIdLst>
     <p:sldId id="342" r:id="rId5"/>
     <p:sldId id="359" r:id="rId6"/>
     <p:sldId id="373" r:id="rId7"/>
     <p:sldId id="379" r:id="rId8"/>
-    <p:sldId id="382" r:id="rId9"/>
-    <p:sldId id="383" r:id="rId10"/>
-    <p:sldId id="384" r:id="rId11"/>
-    <p:sldId id="385" r:id="rId12"/>
-    <p:sldId id="380" r:id="rId13"/>
-    <p:sldId id="372" r:id="rId14"/>
+    <p:sldId id="388" r:id="rId9"/>
+    <p:sldId id="382" r:id="rId10"/>
+    <p:sldId id="383" r:id="rId11"/>
+    <p:sldId id="387" r:id="rId12"/>
+    <p:sldId id="386" r:id="rId13"/>
+    <p:sldId id="384" r:id="rId14"/>
+    <p:sldId id="389" r:id="rId15"/>
+    <p:sldId id="385" r:id="rId16"/>
+    <p:sldId id="380" r:id="rId17"/>
+    <p:sldId id="372" r:id="rId18"/>
   </p:sldIdLst>
   <p:sldSz cx="12192000" cy="6858000"/>
   <p:notesSz cx="6858000" cy="9144000"/>
@@ -145,6 +149,14 @@
 <p188:authorLst xmlns:a="http://schemas.openxmlformats.org/drawingml/2006/main" xmlns:r="http://schemas.openxmlformats.org/officeDocument/2006/relationships" xmlns:p188="http://schemas.microsoft.com/office/powerpoint/2018/8/main">
   <p188:author id="{00000000-0000-0000-0000-000000000000}" name="Author" initials="A" userId="Author" providerId="AD"/>
 </p188:authorLst>
+</file>
+
+<file path=ppt/revisionInfo.xml><?xml version="1.0" encoding="utf-8"?>
+<p1510:revInfo xmlns:a="http://schemas.openxmlformats.org/drawingml/2006/main" xmlns:r="http://schemas.openxmlformats.org/officeDocument/2006/relationships" xmlns:p1510="http://schemas.microsoft.com/office/powerpoint/2015/10/main">
+  <p1510:revLst>
+    <p1510:client id="{EE5ADDBD-79FA-4CF6-AAF3-3B68659141C9}" v="236" dt="2024-07-31T04:14:50.592"/>
+  </p1510:revLst>
+</p1510:revInfo>
 </file>
 
 <file path=ppt/changesInfos/changesInfo1.xml><?xml version="1.0" encoding="utf-8"?>
@@ -278,6 +290,405 @@
             <ac:graphicFrameMk id="5" creationId="{67588EB3-ED1D-6AD3-5960-55BD64293774}"/>
           </ac:graphicFrameMkLst>
         </pc:graphicFrameChg>
+      </pc:sldChg>
+    </pc:docChg>
+  </pc:docChgLst>
+  <pc:docChgLst>
+    <pc:chgData name="Ioana Platon" userId="18b0f7fbbefdf8fb" providerId="LiveId" clId="{EE5ADDBD-79FA-4CF6-AAF3-3B68659141C9}"/>
+    <pc:docChg chg="undo custSel addSld delSld modSld sldOrd">
+      <pc:chgData name="Ioana Platon" userId="18b0f7fbbefdf8fb" providerId="LiveId" clId="{EE5ADDBD-79FA-4CF6-AAF3-3B68659141C9}" dt="2024-07-31T04:14:52.766" v="1211"/>
+      <pc:docMkLst>
+        <pc:docMk/>
+      </pc:docMkLst>
+      <pc:sldChg chg="addSp modSp mod">
+        <pc:chgData name="Ioana Platon" userId="18b0f7fbbefdf8fb" providerId="LiveId" clId="{EE5ADDBD-79FA-4CF6-AAF3-3B68659141C9}" dt="2024-07-31T02:48:30.109" v="640" actId="14100"/>
+        <pc:sldMkLst>
+          <pc:docMk/>
+          <pc:sldMk cId="1460159330" sldId="359"/>
+        </pc:sldMkLst>
+        <pc:picChg chg="add mod">
+          <ac:chgData name="Ioana Platon" userId="18b0f7fbbefdf8fb" providerId="LiveId" clId="{EE5ADDBD-79FA-4CF6-AAF3-3B68659141C9}" dt="2024-07-31T02:48:30.109" v="640" actId="14100"/>
+          <ac:picMkLst>
+            <pc:docMk/>
+            <pc:sldMk cId="1460159330" sldId="359"/>
+            <ac:picMk id="3" creationId="{3A576D96-680B-2BB7-493C-5C06C6CE61F9}"/>
+          </ac:picMkLst>
+        </pc:picChg>
+      </pc:sldChg>
+      <pc:sldChg chg="addSp modSp mod">
+        <pc:chgData name="Ioana Platon" userId="18b0f7fbbefdf8fb" providerId="LiveId" clId="{EE5ADDBD-79FA-4CF6-AAF3-3B68659141C9}" dt="2024-07-31T03:08:05.572" v="657" actId="1036"/>
+        <pc:sldMkLst>
+          <pc:docMk/>
+          <pc:sldMk cId="1397193754" sldId="373"/>
+        </pc:sldMkLst>
+        <pc:picChg chg="add mod">
+          <ac:chgData name="Ioana Platon" userId="18b0f7fbbefdf8fb" providerId="LiveId" clId="{EE5ADDBD-79FA-4CF6-AAF3-3B68659141C9}" dt="2024-07-31T03:08:05.572" v="657" actId="1036"/>
+          <ac:picMkLst>
+            <pc:docMk/>
+            <pc:sldMk cId="1397193754" sldId="373"/>
+            <ac:picMk id="6" creationId="{00422618-F9B7-21E4-7BEA-8338F411EFF6}"/>
+          </ac:picMkLst>
+        </pc:picChg>
+      </pc:sldChg>
+      <pc:sldChg chg="addSp delSp modSp mod modNotesTx">
+        <pc:chgData name="Ioana Platon" userId="18b0f7fbbefdf8fb" providerId="LiveId" clId="{EE5ADDBD-79FA-4CF6-AAF3-3B68659141C9}" dt="2024-07-31T04:11:52.290" v="1176" actId="20577"/>
+        <pc:sldMkLst>
+          <pc:docMk/>
+          <pc:sldMk cId="2170071140" sldId="379"/>
+        </pc:sldMkLst>
+        <pc:spChg chg="mod">
+          <ac:chgData name="Ioana Platon" userId="18b0f7fbbefdf8fb" providerId="LiveId" clId="{EE5ADDBD-79FA-4CF6-AAF3-3B68659141C9}" dt="2024-07-31T02:37:39.967" v="495" actId="242"/>
+          <ac:spMkLst>
+            <pc:docMk/>
+            <pc:sldMk cId="2170071140" sldId="379"/>
+            <ac:spMk id="3" creationId="{06DE3104-398C-EF95-D86E-630F512487F9}"/>
+          </ac:spMkLst>
+        </pc:spChg>
+        <pc:spChg chg="del">
+          <ac:chgData name="Ioana Platon" userId="18b0f7fbbefdf8fb" providerId="LiveId" clId="{EE5ADDBD-79FA-4CF6-AAF3-3B68659141C9}" dt="2024-07-31T01:55:40.380" v="0"/>
+          <ac:spMkLst>
+            <pc:docMk/>
+            <pc:sldMk cId="2170071140" sldId="379"/>
+            <ac:spMk id="4" creationId="{67328E6B-D306-C2F9-54E9-FD35599AC24B}"/>
+          </ac:spMkLst>
+        </pc:spChg>
+        <pc:spChg chg="add mod">
+          <ac:chgData name="Ioana Platon" userId="18b0f7fbbefdf8fb" providerId="LiveId" clId="{EE5ADDBD-79FA-4CF6-AAF3-3B68659141C9}" dt="2024-07-31T02:07:51.565" v="73" actId="20577"/>
+          <ac:spMkLst>
+            <pc:docMk/>
+            <pc:sldMk cId="2170071140" sldId="379"/>
+            <ac:spMk id="12" creationId="{4AEE3D8B-2B58-9E4C-504D-C26E9473BB37}"/>
+          </ac:spMkLst>
+        </pc:spChg>
+        <pc:spChg chg="add mod">
+          <ac:chgData name="Ioana Platon" userId="18b0f7fbbefdf8fb" providerId="LiveId" clId="{EE5ADDBD-79FA-4CF6-AAF3-3B68659141C9}" dt="2024-07-31T04:11:52.290" v="1176" actId="20577"/>
+          <ac:spMkLst>
+            <pc:docMk/>
+            <pc:sldMk cId="2170071140" sldId="379"/>
+            <ac:spMk id="13" creationId="{4D45BEF3-11A3-1DD7-2FBD-7AD7875B5DB0}"/>
+          </ac:spMkLst>
+        </pc:spChg>
+        <pc:picChg chg="add mod modCrop">
+          <ac:chgData name="Ioana Platon" userId="18b0f7fbbefdf8fb" providerId="LiveId" clId="{EE5ADDBD-79FA-4CF6-AAF3-3B68659141C9}" dt="2024-07-31T03:59:41.531" v="1029" actId="1076"/>
+          <ac:picMkLst>
+            <pc:docMk/>
+            <pc:sldMk cId="2170071140" sldId="379"/>
+            <ac:picMk id="5" creationId="{E639DBFE-8153-AF74-90C9-D07677A37434}"/>
+          </ac:picMkLst>
+        </pc:picChg>
+        <pc:picChg chg="add mod modCrop">
+          <ac:chgData name="Ioana Platon" userId="18b0f7fbbefdf8fb" providerId="LiveId" clId="{EE5ADDBD-79FA-4CF6-AAF3-3B68659141C9}" dt="2024-07-31T03:59:55.865" v="1030" actId="732"/>
+          <ac:picMkLst>
+            <pc:docMk/>
+            <pc:sldMk cId="2170071140" sldId="379"/>
+            <ac:picMk id="7" creationId="{6CA5166E-14E6-D99F-3C95-0556351E7E0B}"/>
+          </ac:picMkLst>
+        </pc:picChg>
+        <pc:picChg chg="add del mod">
+          <ac:chgData name="Ioana Platon" userId="18b0f7fbbefdf8fb" providerId="LiveId" clId="{EE5ADDBD-79FA-4CF6-AAF3-3B68659141C9}" dt="2024-07-31T03:57:02.863" v="930" actId="478"/>
+          <ac:picMkLst>
+            <pc:docMk/>
+            <pc:sldMk cId="2170071140" sldId="379"/>
+            <ac:picMk id="9" creationId="{C7B38AFC-AC11-22E1-3CFB-C3D394C2816E}"/>
+          </ac:picMkLst>
+        </pc:picChg>
+        <pc:picChg chg="add del mod">
+          <ac:chgData name="Ioana Platon" userId="18b0f7fbbefdf8fb" providerId="LiveId" clId="{EE5ADDBD-79FA-4CF6-AAF3-3B68659141C9}" dt="2024-07-31T03:57:04.243" v="931" actId="478"/>
+          <ac:picMkLst>
+            <pc:docMk/>
+            <pc:sldMk cId="2170071140" sldId="379"/>
+            <ac:picMk id="11" creationId="{6C1D2C8C-D766-3AAB-A2EB-11C9AB895D03}"/>
+          </ac:picMkLst>
+        </pc:picChg>
+        <pc:picChg chg="add mod">
+          <ac:chgData name="Ioana Platon" userId="18b0f7fbbefdf8fb" providerId="LiveId" clId="{EE5ADDBD-79FA-4CF6-AAF3-3B68659141C9}" dt="2024-07-31T02:42:12.529" v="635" actId="1076"/>
+          <ac:picMkLst>
+            <pc:docMk/>
+            <pc:sldMk cId="2170071140" sldId="379"/>
+            <ac:picMk id="15" creationId="{86347072-678B-C6F3-9659-4E6B48266E03}"/>
+          </ac:picMkLst>
+        </pc:picChg>
+      </pc:sldChg>
+      <pc:sldChg chg="add del">
+        <pc:chgData name="Ioana Platon" userId="18b0f7fbbefdf8fb" providerId="LiveId" clId="{EE5ADDBD-79FA-4CF6-AAF3-3B68659141C9}" dt="2024-07-31T03:02:51.216" v="642" actId="47"/>
+        <pc:sldMkLst>
+          <pc:docMk/>
+          <pc:sldMk cId="79695288" sldId="380"/>
+        </pc:sldMkLst>
+      </pc:sldChg>
+      <pc:sldChg chg="addSp delSp modSp mod">
+        <pc:chgData name="Ioana Platon" userId="18b0f7fbbefdf8fb" providerId="LiveId" clId="{EE5ADDBD-79FA-4CF6-AAF3-3B68659141C9}" dt="2024-07-31T04:04:32.029" v="1089" actId="1076"/>
+        <pc:sldMkLst>
+          <pc:docMk/>
+          <pc:sldMk cId="3482121309" sldId="383"/>
+        </pc:sldMkLst>
+        <pc:spChg chg="mod">
+          <ac:chgData name="Ioana Platon" userId="18b0f7fbbefdf8fb" providerId="LiveId" clId="{EE5ADDBD-79FA-4CF6-AAF3-3B68659141C9}" dt="2024-07-31T02:38:58.897" v="518" actId="14100"/>
+          <ac:spMkLst>
+            <pc:docMk/>
+            <pc:sldMk cId="3482121309" sldId="383"/>
+            <ac:spMk id="4" creationId="{67328E6B-D306-C2F9-54E9-FD35599AC24B}"/>
+          </ac:spMkLst>
+        </pc:spChg>
+        <pc:spChg chg="add del mod">
+          <ac:chgData name="Ioana Platon" userId="18b0f7fbbefdf8fb" providerId="LiveId" clId="{EE5ADDBD-79FA-4CF6-AAF3-3B68659141C9}" dt="2024-07-31T04:04:06.075" v="1073" actId="478"/>
+          <ac:spMkLst>
+            <pc:docMk/>
+            <pc:sldMk cId="3482121309" sldId="383"/>
+            <ac:spMk id="5" creationId="{A80B10EC-B61E-742B-BF29-853AE25B2A1C}"/>
+          </ac:spMkLst>
+        </pc:spChg>
+        <pc:spChg chg="del">
+          <ac:chgData name="Ioana Platon" userId="18b0f7fbbefdf8fb" providerId="LiveId" clId="{EE5ADDBD-79FA-4CF6-AAF3-3B68659141C9}" dt="2024-07-31T03:26:03.107" v="658" actId="478"/>
+          <ac:spMkLst>
+            <pc:docMk/>
+            <pc:sldMk cId="3482121309" sldId="383"/>
+            <ac:spMk id="6" creationId="{639F5FAA-EA20-7F30-E01A-BB0BB03A9C12}"/>
+          </ac:spMkLst>
+        </pc:spChg>
+        <pc:picChg chg="add del mod">
+          <ac:chgData name="Ioana Platon" userId="18b0f7fbbefdf8fb" providerId="LiveId" clId="{EE5ADDBD-79FA-4CF6-AAF3-3B68659141C9}" dt="2024-07-31T03:49:37.228" v="824" actId="478"/>
+          <ac:picMkLst>
+            <pc:docMk/>
+            <pc:sldMk cId="3482121309" sldId="383"/>
+            <ac:picMk id="2" creationId="{ED0A7767-5A6B-1672-3BB1-3170F549FD03}"/>
+          </ac:picMkLst>
+        </pc:picChg>
+        <pc:picChg chg="add mod">
+          <ac:chgData name="Ioana Platon" userId="18b0f7fbbefdf8fb" providerId="LiveId" clId="{EE5ADDBD-79FA-4CF6-AAF3-3B68659141C9}" dt="2024-07-31T04:04:30.543" v="1088" actId="1076"/>
+          <ac:picMkLst>
+            <pc:docMk/>
+            <pc:sldMk cId="3482121309" sldId="383"/>
+            <ac:picMk id="6" creationId="{27372E79-74AE-9FE8-79E1-0D60F8B14091}"/>
+          </ac:picMkLst>
+        </pc:picChg>
+        <pc:picChg chg="add mod">
+          <ac:chgData name="Ioana Platon" userId="18b0f7fbbefdf8fb" providerId="LiveId" clId="{EE5ADDBD-79FA-4CF6-AAF3-3B68659141C9}" dt="2024-07-31T04:04:32.029" v="1089" actId="1076"/>
+          <ac:picMkLst>
+            <pc:docMk/>
+            <pc:sldMk cId="3482121309" sldId="383"/>
+            <ac:picMk id="1026" creationId="{12C31238-7308-EAD5-A645-04C83C4B4D30}"/>
+          </ac:picMkLst>
+        </pc:picChg>
+        <pc:picChg chg="add del mod">
+          <ac:chgData name="Ioana Platon" userId="18b0f7fbbefdf8fb" providerId="LiveId" clId="{EE5ADDBD-79FA-4CF6-AAF3-3B68659141C9}" dt="2024-07-31T03:35:42.836" v="757" actId="21"/>
+          <ac:picMkLst>
+            <pc:docMk/>
+            <pc:sldMk cId="3482121309" sldId="383"/>
+            <ac:picMk id="1028" creationId="{75F20372-7E8B-0D9E-A4C5-90A31D969B87}"/>
+          </ac:picMkLst>
+        </pc:picChg>
+        <pc:picChg chg="add del mod">
+          <ac:chgData name="Ioana Platon" userId="18b0f7fbbefdf8fb" providerId="LiveId" clId="{EE5ADDBD-79FA-4CF6-AAF3-3B68659141C9}" dt="2024-07-31T03:49:38.929" v="825" actId="478"/>
+          <ac:picMkLst>
+            <pc:docMk/>
+            <pc:sldMk cId="3482121309" sldId="383"/>
+            <ac:picMk id="1030" creationId="{5F39D23B-DAFE-4F9E-EEA2-C3295525EC2F}"/>
+          </ac:picMkLst>
+        </pc:picChg>
+        <pc:picChg chg="add del mod">
+          <ac:chgData name="Ioana Platon" userId="18b0f7fbbefdf8fb" providerId="LiveId" clId="{EE5ADDBD-79FA-4CF6-AAF3-3B68659141C9}" dt="2024-07-31T03:29:51.014" v="713" actId="478"/>
+          <ac:picMkLst>
+            <pc:docMk/>
+            <pc:sldMk cId="3482121309" sldId="383"/>
+            <ac:picMk id="1032" creationId="{ED0A7767-5A6B-1672-3BB1-3170F549FD03}"/>
+          </ac:picMkLst>
+        </pc:picChg>
+      </pc:sldChg>
+      <pc:sldChg chg="addSp delSp modSp mod">
+        <pc:chgData name="Ioana Platon" userId="18b0f7fbbefdf8fb" providerId="LiveId" clId="{EE5ADDBD-79FA-4CF6-AAF3-3B68659141C9}" dt="2024-07-31T04:13:51.431" v="1198" actId="1076"/>
+        <pc:sldMkLst>
+          <pc:docMk/>
+          <pc:sldMk cId="870782436" sldId="385"/>
+        </pc:sldMkLst>
+        <pc:spChg chg="del">
+          <ac:chgData name="Ioana Platon" userId="18b0f7fbbefdf8fb" providerId="LiveId" clId="{EE5ADDBD-79FA-4CF6-AAF3-3B68659141C9}" dt="2024-07-31T04:07:02.591" v="1090" actId="478"/>
+          <ac:spMkLst>
+            <pc:docMk/>
+            <pc:sldMk cId="870782436" sldId="385"/>
+            <ac:spMk id="6" creationId="{B5C257D3-D4F4-B857-C681-63C282E3BFB2}"/>
+          </ac:spMkLst>
+        </pc:spChg>
+        <pc:picChg chg="add mod">
+          <ac:chgData name="Ioana Platon" userId="18b0f7fbbefdf8fb" providerId="LiveId" clId="{EE5ADDBD-79FA-4CF6-AAF3-3B68659141C9}" dt="2024-07-31T04:13:51.431" v="1198" actId="1076"/>
+          <ac:picMkLst>
+            <pc:docMk/>
+            <pc:sldMk cId="870782436" sldId="385"/>
+            <ac:picMk id="2" creationId="{87980702-AB7C-C29E-0925-D2F8F5B16217}"/>
+          </ac:picMkLst>
+        </pc:picChg>
+      </pc:sldChg>
+      <pc:sldChg chg="addSp delSp modSp add">
+        <pc:chgData name="Ioana Platon" userId="18b0f7fbbefdf8fb" providerId="LiveId" clId="{EE5ADDBD-79FA-4CF6-AAF3-3B68659141C9}" dt="2024-07-31T03:50:40.886" v="871" actId="1076"/>
+        <pc:sldMkLst>
+          <pc:docMk/>
+          <pc:sldMk cId="3646944523" sldId="386"/>
+        </pc:sldMkLst>
+        <pc:picChg chg="add mod">
+          <ac:chgData name="Ioana Platon" userId="18b0f7fbbefdf8fb" providerId="LiveId" clId="{EE5ADDBD-79FA-4CF6-AAF3-3B68659141C9}" dt="2024-07-31T03:50:40.886" v="871" actId="1076"/>
+          <ac:picMkLst>
+            <pc:docMk/>
+            <pc:sldMk cId="3646944523" sldId="386"/>
+            <ac:picMk id="2" creationId="{75F20372-7E8B-0D9E-A4C5-90A31D969B87}"/>
+          </ac:picMkLst>
+        </pc:picChg>
+        <pc:picChg chg="del">
+          <ac:chgData name="Ioana Platon" userId="18b0f7fbbefdf8fb" providerId="LiveId" clId="{EE5ADDBD-79FA-4CF6-AAF3-3B68659141C9}" dt="2024-07-31T03:30:26.857" v="750" actId="478"/>
+          <ac:picMkLst>
+            <pc:docMk/>
+            <pc:sldMk cId="3646944523" sldId="386"/>
+            <ac:picMk id="1026" creationId="{12C31238-7308-EAD5-A645-04C83C4B4D30}"/>
+          </ac:picMkLst>
+        </pc:picChg>
+        <pc:picChg chg="del">
+          <ac:chgData name="Ioana Platon" userId="18b0f7fbbefdf8fb" providerId="LiveId" clId="{EE5ADDBD-79FA-4CF6-AAF3-3B68659141C9}" dt="2024-07-31T03:30:28.240" v="751" actId="478"/>
+          <ac:picMkLst>
+            <pc:docMk/>
+            <pc:sldMk cId="3646944523" sldId="386"/>
+            <ac:picMk id="1028" creationId="{75F20372-7E8B-0D9E-A4C5-90A31D969B87}"/>
+          </ac:picMkLst>
+        </pc:picChg>
+        <pc:picChg chg="del">
+          <ac:chgData name="Ioana Platon" userId="18b0f7fbbefdf8fb" providerId="LiveId" clId="{EE5ADDBD-79FA-4CF6-AAF3-3B68659141C9}" dt="2024-07-31T03:30:30.320" v="752" actId="478"/>
+          <ac:picMkLst>
+            <pc:docMk/>
+            <pc:sldMk cId="3646944523" sldId="386"/>
+            <ac:picMk id="1030" creationId="{5F39D23B-DAFE-4F9E-EEA2-C3295525EC2F}"/>
+          </ac:picMkLst>
+        </pc:picChg>
+        <pc:picChg chg="del mod">
+          <ac:chgData name="Ioana Platon" userId="18b0f7fbbefdf8fb" providerId="LiveId" clId="{EE5ADDBD-79FA-4CF6-AAF3-3B68659141C9}" dt="2024-07-31T03:35:56.713" v="759" actId="21"/>
+          <ac:picMkLst>
+            <pc:docMk/>
+            <pc:sldMk cId="3646944523" sldId="386"/>
+            <ac:picMk id="1032" creationId="{ED0A7767-5A6B-1672-3BB1-3170F549FD03}"/>
+          </ac:picMkLst>
+        </pc:picChg>
+        <pc:picChg chg="add mod">
+          <ac:chgData name="Ioana Platon" userId="18b0f7fbbefdf8fb" providerId="LiveId" clId="{EE5ADDBD-79FA-4CF6-AAF3-3B68659141C9}" dt="2024-07-31T03:50:33.870" v="870" actId="1035"/>
+          <ac:picMkLst>
+            <pc:docMk/>
+            <pc:sldMk cId="3646944523" sldId="386"/>
+            <ac:picMk id="2050" creationId="{BE557A51-87A1-F88E-E2BA-BBB45305938A}"/>
+          </ac:picMkLst>
+        </pc:picChg>
+      </pc:sldChg>
+      <pc:sldChg chg="delSp modSp add">
+        <pc:chgData name="Ioana Platon" userId="18b0f7fbbefdf8fb" providerId="LiveId" clId="{EE5ADDBD-79FA-4CF6-AAF3-3B68659141C9}" dt="2024-07-31T03:49:30.876" v="823" actId="1076"/>
+        <pc:sldMkLst>
+          <pc:docMk/>
+          <pc:sldMk cId="303793522" sldId="387"/>
+        </pc:sldMkLst>
+        <pc:picChg chg="mod">
+          <ac:chgData name="Ioana Platon" userId="18b0f7fbbefdf8fb" providerId="LiveId" clId="{EE5ADDBD-79FA-4CF6-AAF3-3B68659141C9}" dt="2024-07-31T03:49:26.215" v="822" actId="1076"/>
+          <ac:picMkLst>
+            <pc:docMk/>
+            <pc:sldMk cId="303793522" sldId="387"/>
+            <ac:picMk id="2" creationId="{ED0A7767-5A6B-1672-3BB1-3170F549FD03}"/>
+          </ac:picMkLst>
+        </pc:picChg>
+        <pc:picChg chg="del">
+          <ac:chgData name="Ioana Platon" userId="18b0f7fbbefdf8fb" providerId="LiveId" clId="{EE5ADDBD-79FA-4CF6-AAF3-3B68659141C9}" dt="2024-07-31T03:48:44.710" v="793" actId="478"/>
+          <ac:picMkLst>
+            <pc:docMk/>
+            <pc:sldMk cId="303793522" sldId="387"/>
+            <ac:picMk id="1026" creationId="{12C31238-7308-EAD5-A645-04C83C4B4D30}"/>
+          </ac:picMkLst>
+        </pc:picChg>
+        <pc:picChg chg="mod">
+          <ac:chgData name="Ioana Platon" userId="18b0f7fbbefdf8fb" providerId="LiveId" clId="{EE5ADDBD-79FA-4CF6-AAF3-3B68659141C9}" dt="2024-07-31T03:49:30.876" v="823" actId="1076"/>
+          <ac:picMkLst>
+            <pc:docMk/>
+            <pc:sldMk cId="303793522" sldId="387"/>
+            <ac:picMk id="1030" creationId="{5F39D23B-DAFE-4F9E-EEA2-C3295525EC2F}"/>
+          </ac:picMkLst>
+        </pc:picChg>
+      </pc:sldChg>
+      <pc:sldChg chg="addSp delSp modSp add mod">
+        <pc:chgData name="Ioana Platon" userId="18b0f7fbbefdf8fb" providerId="LiveId" clId="{EE5ADDBD-79FA-4CF6-AAF3-3B68659141C9}" dt="2024-07-31T04:12:26.281" v="1194" actId="20577"/>
+        <pc:sldMkLst>
+          <pc:docMk/>
+          <pc:sldMk cId="2265579874" sldId="388"/>
+        </pc:sldMkLst>
+        <pc:spChg chg="add del mod">
+          <ac:chgData name="Ioana Platon" userId="18b0f7fbbefdf8fb" providerId="LiveId" clId="{EE5ADDBD-79FA-4CF6-AAF3-3B68659141C9}" dt="2024-07-31T03:56:22.826" v="910" actId="478"/>
+          <ac:spMkLst>
+            <pc:docMk/>
+            <pc:sldMk cId="2265579874" sldId="388"/>
+            <ac:spMk id="4" creationId="{9968F7A6-51DE-1AEC-D5EB-8C2AB1875C22}"/>
+          </ac:spMkLst>
+        </pc:spChg>
+        <pc:spChg chg="add del mod">
+          <ac:chgData name="Ioana Platon" userId="18b0f7fbbefdf8fb" providerId="LiveId" clId="{EE5ADDBD-79FA-4CF6-AAF3-3B68659141C9}" dt="2024-07-31T04:12:26.281" v="1194" actId="20577"/>
+          <ac:spMkLst>
+            <pc:docMk/>
+            <pc:sldMk cId="2265579874" sldId="388"/>
+            <ac:spMk id="13" creationId="{4D45BEF3-11A3-1DD7-2FBD-7AD7875B5DB0}"/>
+          </ac:spMkLst>
+        </pc:spChg>
+        <pc:picChg chg="del">
+          <ac:chgData name="Ioana Platon" userId="18b0f7fbbefdf8fb" providerId="LiveId" clId="{EE5ADDBD-79FA-4CF6-AAF3-3B68659141C9}" dt="2024-07-31T03:55:20.719" v="875" actId="478"/>
+          <ac:picMkLst>
+            <pc:docMk/>
+            <pc:sldMk cId="2265579874" sldId="388"/>
+            <ac:picMk id="5" creationId="{E639DBFE-8153-AF74-90C9-D07677A37434}"/>
+          </ac:picMkLst>
+        </pc:picChg>
+        <pc:picChg chg="del">
+          <ac:chgData name="Ioana Platon" userId="18b0f7fbbefdf8fb" providerId="LiveId" clId="{EE5ADDBD-79FA-4CF6-AAF3-3B68659141C9}" dt="2024-07-31T03:55:20.124" v="874" actId="478"/>
+          <ac:picMkLst>
+            <pc:docMk/>
+            <pc:sldMk cId="2265579874" sldId="388"/>
+            <ac:picMk id="7" creationId="{6CA5166E-14E6-D99F-3C95-0556351E7E0B}"/>
+          </ac:picMkLst>
+        </pc:picChg>
+        <pc:picChg chg="mod">
+          <ac:chgData name="Ioana Platon" userId="18b0f7fbbefdf8fb" providerId="LiveId" clId="{EE5ADDBD-79FA-4CF6-AAF3-3B68659141C9}" dt="2024-07-31T03:56:57.324" v="928" actId="1076"/>
+          <ac:picMkLst>
+            <pc:docMk/>
+            <pc:sldMk cId="2265579874" sldId="388"/>
+            <ac:picMk id="9" creationId="{C7B38AFC-AC11-22E1-3CFB-C3D394C2816E}"/>
+          </ac:picMkLst>
+        </pc:picChg>
+        <pc:picChg chg="mod">
+          <ac:chgData name="Ioana Platon" userId="18b0f7fbbefdf8fb" providerId="LiveId" clId="{EE5ADDBD-79FA-4CF6-AAF3-3B68659141C9}" dt="2024-07-31T03:56:58.629" v="929" actId="1076"/>
+          <ac:picMkLst>
+            <pc:docMk/>
+            <pc:sldMk cId="2265579874" sldId="388"/>
+            <ac:picMk id="11" creationId="{6C1D2C8C-D766-3AAB-A2EB-11C9AB895D03}"/>
+          </ac:picMkLst>
+        </pc:picChg>
+      </pc:sldChg>
+      <pc:sldChg chg="addSp delSp modSp add mod ord">
+        <pc:chgData name="Ioana Platon" userId="18b0f7fbbefdf8fb" providerId="LiveId" clId="{EE5ADDBD-79FA-4CF6-AAF3-3B68659141C9}" dt="2024-07-31T04:14:52.766" v="1211"/>
+        <pc:sldMkLst>
+          <pc:docMk/>
+          <pc:sldMk cId="873525583" sldId="389"/>
+        </pc:sldMkLst>
+        <pc:picChg chg="del">
+          <ac:chgData name="Ioana Platon" userId="18b0f7fbbefdf8fb" providerId="LiveId" clId="{EE5ADDBD-79FA-4CF6-AAF3-3B68659141C9}" dt="2024-07-31T04:13:56.861" v="1200" actId="478"/>
+          <ac:picMkLst>
+            <pc:docMk/>
+            <pc:sldMk cId="873525583" sldId="389"/>
+            <ac:picMk id="2" creationId="{87980702-AB7C-C29E-0925-D2F8F5B16217}"/>
+          </ac:picMkLst>
+        </pc:picChg>
+        <pc:picChg chg="add mod">
+          <ac:chgData name="Ioana Platon" userId="18b0f7fbbefdf8fb" providerId="LiveId" clId="{EE5ADDBD-79FA-4CF6-AAF3-3B68659141C9}" dt="2024-07-31T04:14:49.171" v="1208" actId="1076"/>
+          <ac:picMkLst>
+            <pc:docMk/>
+            <pc:sldMk cId="873525583" sldId="389"/>
+            <ac:picMk id="2050" creationId="{49DD65AD-7CB2-8606-D1B3-5FCECF65C795}"/>
+          </ac:picMkLst>
+        </pc:picChg>
+        <pc:picChg chg="add mod">
+          <ac:chgData name="Ioana Platon" userId="18b0f7fbbefdf8fb" providerId="LiveId" clId="{EE5ADDBD-79FA-4CF6-AAF3-3B68659141C9}" dt="2024-07-31T04:14:50.591" v="1209" actId="1076"/>
+          <ac:picMkLst>
+            <pc:docMk/>
+            <pc:sldMk cId="873525583" sldId="389"/>
+            <ac:picMk id="2052" creationId="{210C1749-8479-BBE3-EFC7-F0FE5B04D4F7}"/>
+          </ac:picMkLst>
+        </pc:picChg>
       </pc:sldChg>
     </pc:docChg>
   </pc:docChgLst>
@@ -980,6 +1391,342 @@
     </p:spTree>
     <p:extLst>
       <p:ext uri="{BB962C8B-B14F-4D97-AF65-F5344CB8AC3E}">
+        <p14:creationId xmlns:p14="http://schemas.microsoft.com/office/powerpoint/2010/main" val="236816387"/>
+      </p:ext>
+    </p:extLst>
+  </p:cSld>
+  <p:clrMapOvr>
+    <a:masterClrMapping/>
+  </p:clrMapOvr>
+</p:notes>
+</file>
+
+<file path=ppt/notesSlides/notesSlide11.xml><?xml version="1.0" encoding="utf-8"?>
+<p:notes xmlns:a="http://schemas.openxmlformats.org/drawingml/2006/main" xmlns:r="http://schemas.openxmlformats.org/officeDocument/2006/relationships" xmlns:p="http://schemas.openxmlformats.org/presentationml/2006/main">
+  <p:cSld>
+    <p:spTree>
+      <p:nvGrpSpPr>
+        <p:cNvPr id="1" name=""/>
+        <p:cNvGrpSpPr/>
+        <p:nvPr/>
+      </p:nvGrpSpPr>
+      <p:grpSpPr>
+        <a:xfrm>
+          <a:off x="0" y="0"/>
+          <a:ext cx="0" cy="0"/>
+          <a:chOff x="0" y="0"/>
+          <a:chExt cx="0" cy="0"/>
+        </a:xfrm>
+      </p:grpSpPr>
+      <p:sp>
+        <p:nvSpPr>
+          <p:cNvPr id="2" name="Slide Image Placeholder 1"/>
+          <p:cNvSpPr>
+            <a:spLocks noGrp="1" noRot="1" noChangeAspect="1"/>
+          </p:cNvSpPr>
+          <p:nvPr>
+            <p:ph type="sldImg"/>
+          </p:nvPr>
+        </p:nvSpPr>
+        <p:spPr/>
+      </p:sp>
+      <p:sp>
+        <p:nvSpPr>
+          <p:cNvPr id="3" name="Notes Placeholder 2"/>
+          <p:cNvSpPr>
+            <a:spLocks noGrp="1"/>
+          </p:cNvSpPr>
+          <p:nvPr>
+            <p:ph type="body" idx="1"/>
+          </p:nvPr>
+        </p:nvSpPr>
+        <p:spPr/>
+        <p:txBody>
+          <a:bodyPr/>
+          <a:lstStyle/>
+          <a:p>
+            <a:endParaRPr lang="en-US" dirty="0"/>
+          </a:p>
+        </p:txBody>
+      </p:sp>
+      <p:sp>
+        <p:nvSpPr>
+          <p:cNvPr id="4" name="Slide Number Placeholder 3"/>
+          <p:cNvSpPr>
+            <a:spLocks noGrp="1"/>
+          </p:cNvSpPr>
+          <p:nvPr>
+            <p:ph type="sldNum" sz="quarter" idx="5"/>
+          </p:nvPr>
+        </p:nvSpPr>
+        <p:spPr/>
+        <p:txBody>
+          <a:bodyPr/>
+          <a:lstStyle/>
+          <a:p>
+            <a:fld id="{DEF75CB5-5666-5049-9AE0-38EFD385C21E}" type="slidenum">
+              <a:rPr lang="en-US" smtClean="0"/>
+              <a:t>11</a:t>
+            </a:fld>
+            <a:endParaRPr lang="en-US" dirty="0"/>
+          </a:p>
+        </p:txBody>
+      </p:sp>
+    </p:spTree>
+    <p:extLst>
+      <p:ext uri="{BB962C8B-B14F-4D97-AF65-F5344CB8AC3E}">
+        <p14:creationId xmlns:p14="http://schemas.microsoft.com/office/powerpoint/2010/main" val="1508130568"/>
+      </p:ext>
+    </p:extLst>
+  </p:cSld>
+  <p:clrMapOvr>
+    <a:masterClrMapping/>
+  </p:clrMapOvr>
+</p:notes>
+</file>
+
+<file path=ppt/notesSlides/notesSlide12.xml><?xml version="1.0" encoding="utf-8"?>
+<p:notes xmlns:a="http://schemas.openxmlformats.org/drawingml/2006/main" xmlns:r="http://schemas.openxmlformats.org/officeDocument/2006/relationships" xmlns:p="http://schemas.openxmlformats.org/presentationml/2006/main">
+  <p:cSld>
+    <p:spTree>
+      <p:nvGrpSpPr>
+        <p:cNvPr id="1" name=""/>
+        <p:cNvGrpSpPr/>
+        <p:nvPr/>
+      </p:nvGrpSpPr>
+      <p:grpSpPr>
+        <a:xfrm>
+          <a:off x="0" y="0"/>
+          <a:ext cx="0" cy="0"/>
+          <a:chOff x="0" y="0"/>
+          <a:chExt cx="0" cy="0"/>
+        </a:xfrm>
+      </p:grpSpPr>
+      <p:sp>
+        <p:nvSpPr>
+          <p:cNvPr id="2" name="Slide Image Placeholder 1"/>
+          <p:cNvSpPr>
+            <a:spLocks noGrp="1" noRot="1" noChangeAspect="1"/>
+          </p:cNvSpPr>
+          <p:nvPr>
+            <p:ph type="sldImg"/>
+          </p:nvPr>
+        </p:nvSpPr>
+        <p:spPr/>
+      </p:sp>
+      <p:sp>
+        <p:nvSpPr>
+          <p:cNvPr id="3" name="Notes Placeholder 2"/>
+          <p:cNvSpPr>
+            <a:spLocks noGrp="1"/>
+          </p:cNvSpPr>
+          <p:nvPr>
+            <p:ph type="body" idx="1"/>
+          </p:nvPr>
+        </p:nvSpPr>
+        <p:spPr/>
+        <p:txBody>
+          <a:bodyPr/>
+          <a:lstStyle/>
+          <a:p>
+            <a:endParaRPr lang="en-US" dirty="0"/>
+          </a:p>
+        </p:txBody>
+      </p:sp>
+      <p:sp>
+        <p:nvSpPr>
+          <p:cNvPr id="4" name="Slide Number Placeholder 3"/>
+          <p:cNvSpPr>
+            <a:spLocks noGrp="1"/>
+          </p:cNvSpPr>
+          <p:nvPr>
+            <p:ph type="sldNum" sz="quarter" idx="5"/>
+          </p:nvPr>
+        </p:nvSpPr>
+        <p:spPr/>
+        <p:txBody>
+          <a:bodyPr/>
+          <a:lstStyle/>
+          <a:p>
+            <a:fld id="{DEF75CB5-5666-5049-9AE0-38EFD385C21E}" type="slidenum">
+              <a:rPr lang="en-US" smtClean="0"/>
+              <a:t>12</a:t>
+            </a:fld>
+            <a:endParaRPr lang="en-US" dirty="0"/>
+          </a:p>
+        </p:txBody>
+      </p:sp>
+    </p:spTree>
+    <p:extLst>
+      <p:ext uri="{BB962C8B-B14F-4D97-AF65-F5344CB8AC3E}">
+        <p14:creationId xmlns:p14="http://schemas.microsoft.com/office/powerpoint/2010/main" val="2532193840"/>
+      </p:ext>
+    </p:extLst>
+  </p:cSld>
+  <p:clrMapOvr>
+    <a:masterClrMapping/>
+  </p:clrMapOvr>
+</p:notes>
+</file>
+
+<file path=ppt/notesSlides/notesSlide13.xml><?xml version="1.0" encoding="utf-8"?>
+<p:notes xmlns:a="http://schemas.openxmlformats.org/drawingml/2006/main" xmlns:r="http://schemas.openxmlformats.org/officeDocument/2006/relationships" xmlns:p="http://schemas.openxmlformats.org/presentationml/2006/main">
+  <p:cSld>
+    <p:spTree>
+      <p:nvGrpSpPr>
+        <p:cNvPr id="1" name=""/>
+        <p:cNvGrpSpPr/>
+        <p:nvPr/>
+      </p:nvGrpSpPr>
+      <p:grpSpPr>
+        <a:xfrm>
+          <a:off x="0" y="0"/>
+          <a:ext cx="0" cy="0"/>
+          <a:chOff x="0" y="0"/>
+          <a:chExt cx="0" cy="0"/>
+        </a:xfrm>
+      </p:grpSpPr>
+      <p:sp>
+        <p:nvSpPr>
+          <p:cNvPr id="2" name="Slide Image Placeholder 1"/>
+          <p:cNvSpPr>
+            <a:spLocks noGrp="1" noRot="1" noChangeAspect="1"/>
+          </p:cNvSpPr>
+          <p:nvPr>
+            <p:ph type="sldImg"/>
+          </p:nvPr>
+        </p:nvSpPr>
+        <p:spPr/>
+      </p:sp>
+      <p:sp>
+        <p:nvSpPr>
+          <p:cNvPr id="3" name="Notes Placeholder 2"/>
+          <p:cNvSpPr>
+            <a:spLocks noGrp="1"/>
+          </p:cNvSpPr>
+          <p:nvPr>
+            <p:ph type="body" idx="1"/>
+          </p:nvPr>
+        </p:nvSpPr>
+        <p:spPr/>
+        <p:txBody>
+          <a:bodyPr/>
+          <a:lstStyle/>
+          <a:p>
+            <a:endParaRPr lang="en-US" dirty="0"/>
+          </a:p>
+        </p:txBody>
+      </p:sp>
+      <p:sp>
+        <p:nvSpPr>
+          <p:cNvPr id="4" name="Slide Number Placeholder 3"/>
+          <p:cNvSpPr>
+            <a:spLocks noGrp="1"/>
+          </p:cNvSpPr>
+          <p:nvPr>
+            <p:ph type="sldNum" sz="quarter" idx="5"/>
+          </p:nvPr>
+        </p:nvSpPr>
+        <p:spPr/>
+        <p:txBody>
+          <a:bodyPr/>
+          <a:lstStyle/>
+          <a:p>
+            <a:fld id="{DEF75CB5-5666-5049-9AE0-38EFD385C21E}" type="slidenum">
+              <a:rPr lang="en-US" smtClean="0"/>
+              <a:t>13</a:t>
+            </a:fld>
+            <a:endParaRPr lang="en-US" dirty="0"/>
+          </a:p>
+        </p:txBody>
+      </p:sp>
+    </p:spTree>
+    <p:extLst>
+      <p:ext uri="{BB962C8B-B14F-4D97-AF65-F5344CB8AC3E}">
+        <p14:creationId xmlns:p14="http://schemas.microsoft.com/office/powerpoint/2010/main" val="839213642"/>
+      </p:ext>
+    </p:extLst>
+  </p:cSld>
+  <p:clrMapOvr>
+    <a:masterClrMapping/>
+  </p:clrMapOvr>
+</p:notes>
+</file>
+
+<file path=ppt/notesSlides/notesSlide14.xml><?xml version="1.0" encoding="utf-8"?>
+<p:notes xmlns:a="http://schemas.openxmlformats.org/drawingml/2006/main" xmlns:r="http://schemas.openxmlformats.org/officeDocument/2006/relationships" xmlns:p="http://schemas.openxmlformats.org/presentationml/2006/main">
+  <p:cSld>
+    <p:spTree>
+      <p:nvGrpSpPr>
+        <p:cNvPr id="1" name=""/>
+        <p:cNvGrpSpPr/>
+        <p:nvPr/>
+      </p:nvGrpSpPr>
+      <p:grpSpPr>
+        <a:xfrm>
+          <a:off x="0" y="0"/>
+          <a:ext cx="0" cy="0"/>
+          <a:chOff x="0" y="0"/>
+          <a:chExt cx="0" cy="0"/>
+        </a:xfrm>
+      </p:grpSpPr>
+      <p:sp>
+        <p:nvSpPr>
+          <p:cNvPr id="2" name="Slide Image Placeholder 1"/>
+          <p:cNvSpPr>
+            <a:spLocks noGrp="1" noRot="1" noChangeAspect="1"/>
+          </p:cNvSpPr>
+          <p:nvPr>
+            <p:ph type="sldImg"/>
+          </p:nvPr>
+        </p:nvSpPr>
+        <p:spPr/>
+      </p:sp>
+      <p:sp>
+        <p:nvSpPr>
+          <p:cNvPr id="3" name="Notes Placeholder 2"/>
+          <p:cNvSpPr>
+            <a:spLocks noGrp="1"/>
+          </p:cNvSpPr>
+          <p:nvPr>
+            <p:ph type="body" idx="1"/>
+          </p:nvPr>
+        </p:nvSpPr>
+        <p:spPr/>
+        <p:txBody>
+          <a:bodyPr/>
+          <a:lstStyle/>
+          <a:p>
+            <a:endParaRPr lang="en-US" dirty="0"/>
+          </a:p>
+        </p:txBody>
+      </p:sp>
+      <p:sp>
+        <p:nvSpPr>
+          <p:cNvPr id="4" name="Slide Number Placeholder 3"/>
+          <p:cNvSpPr>
+            <a:spLocks noGrp="1"/>
+          </p:cNvSpPr>
+          <p:nvPr>
+            <p:ph type="sldNum" sz="quarter" idx="5"/>
+          </p:nvPr>
+        </p:nvSpPr>
+        <p:spPr/>
+        <p:txBody>
+          <a:bodyPr/>
+          <a:lstStyle/>
+          <a:p>
+            <a:fld id="{DEF75CB5-5666-5049-9AE0-38EFD385C21E}" type="slidenum">
+              <a:rPr lang="en-US" smtClean="0"/>
+              <a:t>14</a:t>
+            </a:fld>
+            <a:endParaRPr lang="en-US" dirty="0"/>
+          </a:p>
+        </p:txBody>
+      </p:sp>
+    </p:spTree>
+    <p:extLst>
+      <p:ext uri="{BB962C8B-B14F-4D97-AF65-F5344CB8AC3E}">
         <p14:creationId xmlns:p14="http://schemas.microsoft.com/office/powerpoint/2010/main" val="4167890113"/>
       </p:ext>
     </p:extLst>
@@ -1262,6 +2009,102 @@
           <a:bodyPr/>
           <a:lstStyle/>
           <a:p>
+            <a:r>
+              <a:rPr lang="en-US" b="0" dirty="0">
+                <a:solidFill>
+                  <a:srgbClr val="CCCCCC"/>
+                </a:solidFill>
+                <a:effectLst/>
+                <a:highlight>
+                  <a:srgbClr val="1F1F1F"/>
+                </a:highlight>
+                <a:latin typeface="Consolas" panose="020B0609020204030204" pitchFamily="49" charset="0"/>
+              </a:rPr>
+              <a:t>Based on the line charts created in our analysis, we can see that spending for females consistently outpaced males from 2002 to 2020. Total healthcare spending for Females went from $778,215 millions in 2002 to $1,818,581 millions in 2020, while spending from Males went from $587,266 millions to $1,548,394 millions. </a:t>
+            </a:r>
+          </a:p>
+          <a:p>
+            <a:br>
+              <a:rPr lang="en-US" b="0" dirty="0">
+                <a:solidFill>
+                  <a:srgbClr val="CCCCCC"/>
+                </a:solidFill>
+                <a:effectLst/>
+                <a:highlight>
+                  <a:srgbClr val="1F1F1F"/>
+                </a:highlight>
+                <a:latin typeface="Consolas" panose="020B0609020204030204" pitchFamily="49" charset="0"/>
+              </a:rPr>
+            </a:br>
+            <a:r>
+              <a:rPr lang="en-US" b="0" dirty="0">
+                <a:solidFill>
+                  <a:srgbClr val="CCCCCC"/>
+                </a:solidFill>
+                <a:effectLst/>
+                <a:highlight>
+                  <a:srgbClr val="1F1F1F"/>
+                </a:highlight>
+                <a:latin typeface="Consolas" panose="020B0609020204030204" pitchFamily="49" charset="0"/>
+              </a:rPr>
+              <a:t>The highest healthcare spending occurred in the 45-64 age group throughout all the years, but the 65-84 age group is encroaching on this spending as of 2020. The lowest healthcare spending is within the 85+ plus age group, probably due to the smaller size of this population as individuals pass.</a:t>
+            </a:r>
+          </a:p>
+          <a:p>
+            <a:br>
+              <a:rPr lang="en-US" b="0" dirty="0">
+                <a:solidFill>
+                  <a:srgbClr val="CCCCCC"/>
+                </a:solidFill>
+                <a:effectLst/>
+                <a:highlight>
+                  <a:srgbClr val="1F1F1F"/>
+                </a:highlight>
+                <a:latin typeface="Consolas" panose="020B0609020204030204" pitchFamily="49" charset="0"/>
+              </a:rPr>
+            </a:br>
+            <a:r>
+              <a:rPr lang="en-US" b="0" dirty="0">
+                <a:solidFill>
+                  <a:srgbClr val="CCCCCC"/>
+                </a:solidFill>
+                <a:effectLst/>
+                <a:highlight>
+                  <a:srgbClr val="1F1F1F"/>
+                </a:highlight>
+                <a:latin typeface="Consolas" panose="020B0609020204030204" pitchFamily="49" charset="0"/>
+              </a:rPr>
+              <a:t>Lastly, when we look at spending per sex and age group for females, the spending between the three age groups (45-64, 65-84, &amp; 19-44) is pretty similar, with some fluctuations over the years. In 2002, the 65-84 age group was just over the other two and then dipped in the middle from 2006 to 2018, then shot up in 2020 (most likely due to COVID-19 spending per CMS). The 0-18 and 85+ show the lowest spending across all of the years, with under $156,000 millions each in 2020.</a:t>
+            </a:r>
+          </a:p>
+          <a:p>
+            <a:br>
+              <a:rPr lang="en-US" b="0" dirty="0">
+                <a:solidFill>
+                  <a:srgbClr val="CCCCCC"/>
+                </a:solidFill>
+                <a:effectLst/>
+                <a:highlight>
+                  <a:srgbClr val="1F1F1F"/>
+                </a:highlight>
+                <a:latin typeface="Consolas" panose="020B0609020204030204" pitchFamily="49" charset="0"/>
+              </a:rPr>
+            </a:br>
+            <a:r>
+              <a:rPr lang="en-US" b="0" dirty="0">
+                <a:solidFill>
+                  <a:srgbClr val="CCCCCC"/>
+                </a:solidFill>
+                <a:effectLst/>
+                <a:highlight>
+                  <a:srgbClr val="1F1F1F"/>
+                </a:highlight>
+                <a:latin typeface="Consolas" panose="020B0609020204030204" pitchFamily="49" charset="0"/>
+              </a:rPr>
+              <a:t>Spending per sex and age group for males follows a similar pattern between age groups, with the 45-64 age group showing the highest expenditure and the 85+ age group the lowest. Unlike health care spending for females, spending for males across age groups does not intertwine over the years; all age groups continuously increase at similar rates. The 65-84 group is showing a spike in 2020, like female spending, but it does not surpass the 45-64 group as female expenditure does.</a:t>
+            </a:r>
+          </a:p>
+          <a:p>
             <a:endParaRPr lang="en-US" dirty="0"/>
           </a:p>
         </p:txBody>
@@ -1346,6 +2189,102 @@
           <a:bodyPr/>
           <a:lstStyle/>
           <a:p>
+            <a:r>
+              <a:rPr lang="en-US" b="0" dirty="0">
+                <a:solidFill>
+                  <a:srgbClr val="CCCCCC"/>
+                </a:solidFill>
+                <a:effectLst/>
+                <a:highlight>
+                  <a:srgbClr val="1F1F1F"/>
+                </a:highlight>
+                <a:latin typeface="Consolas" panose="020B0609020204030204" pitchFamily="49" charset="0"/>
+              </a:rPr>
+              <a:t>Based on the line charts created in our analysis, we can see that spending for females consistently outpaced males from 2002 to 2020. Total healthcare spending for Females went from $778,215 millions in 2002 to $1,818,581 millions in 2020, while spending from Males went from $587,266 millions to $1,548,394 millions. </a:t>
+            </a:r>
+          </a:p>
+          <a:p>
+            <a:br>
+              <a:rPr lang="en-US" b="0" dirty="0">
+                <a:solidFill>
+                  <a:srgbClr val="CCCCCC"/>
+                </a:solidFill>
+                <a:effectLst/>
+                <a:highlight>
+                  <a:srgbClr val="1F1F1F"/>
+                </a:highlight>
+                <a:latin typeface="Consolas" panose="020B0609020204030204" pitchFamily="49" charset="0"/>
+              </a:rPr>
+            </a:br>
+            <a:r>
+              <a:rPr lang="en-US" b="0" dirty="0">
+                <a:solidFill>
+                  <a:srgbClr val="CCCCCC"/>
+                </a:solidFill>
+                <a:effectLst/>
+                <a:highlight>
+                  <a:srgbClr val="1F1F1F"/>
+                </a:highlight>
+                <a:latin typeface="Consolas" panose="020B0609020204030204" pitchFamily="49" charset="0"/>
+              </a:rPr>
+              <a:t>The highest healthcare spending occurred in the 45-64 age group throughout all the years, but the 65-84 age group is encroaching on this spending as of 2020. The lowest healthcare spending is within the 85+ plus age group, probably due to the smaller size of this population as individuals pass.</a:t>
+            </a:r>
+          </a:p>
+          <a:p>
+            <a:br>
+              <a:rPr lang="en-US" b="0" dirty="0">
+                <a:solidFill>
+                  <a:srgbClr val="CCCCCC"/>
+                </a:solidFill>
+                <a:effectLst/>
+                <a:highlight>
+                  <a:srgbClr val="1F1F1F"/>
+                </a:highlight>
+                <a:latin typeface="Consolas" panose="020B0609020204030204" pitchFamily="49" charset="0"/>
+              </a:rPr>
+            </a:br>
+            <a:r>
+              <a:rPr lang="en-US" b="0" dirty="0">
+                <a:solidFill>
+                  <a:srgbClr val="CCCCCC"/>
+                </a:solidFill>
+                <a:effectLst/>
+                <a:highlight>
+                  <a:srgbClr val="1F1F1F"/>
+                </a:highlight>
+                <a:latin typeface="Consolas" panose="020B0609020204030204" pitchFamily="49" charset="0"/>
+              </a:rPr>
+              <a:t>Lastly, when we look at spending per sex and age group for females, the spending between the three age groups (45-64, 65-84, &amp; 19-44) is pretty similar, with some fluctuations over the years. In 2002, the 65-84 age group was just over the other two and then dipped in the middle from 2006 to 2018, then shot up in 2020 (most likely due to COVID-19 spending per CMS). The 0-18 and 85+ show the lowest spending across all of the years, with under $156,000 millions each in 2020.</a:t>
+            </a:r>
+          </a:p>
+          <a:p>
+            <a:br>
+              <a:rPr lang="en-US" b="0" dirty="0">
+                <a:solidFill>
+                  <a:srgbClr val="CCCCCC"/>
+                </a:solidFill>
+                <a:effectLst/>
+                <a:highlight>
+                  <a:srgbClr val="1F1F1F"/>
+                </a:highlight>
+                <a:latin typeface="Consolas" panose="020B0609020204030204" pitchFamily="49" charset="0"/>
+              </a:rPr>
+            </a:br>
+            <a:r>
+              <a:rPr lang="en-US" b="0" dirty="0">
+                <a:solidFill>
+                  <a:srgbClr val="CCCCCC"/>
+                </a:solidFill>
+                <a:effectLst/>
+                <a:highlight>
+                  <a:srgbClr val="1F1F1F"/>
+                </a:highlight>
+                <a:latin typeface="Consolas" panose="020B0609020204030204" pitchFamily="49" charset="0"/>
+              </a:rPr>
+              <a:t>Spending per sex and age group for males follows a similar pattern between age groups, with the 45-64 age group showing the highest expenditure and the 85+ age group the lowest. Unlike health care spending for females, spending for males across age groups does not intertwine over the years; all age groups continuously increase at similar rates. The 65-84 group is showing a spike in 2020, like female spending, but it does not surpass the 45-64 group as female expenditure does.</a:t>
+            </a:r>
+          </a:p>
+          <a:p>
             <a:endParaRPr lang="en-US" dirty="0"/>
           </a:p>
         </p:txBody>
@@ -1376,7 +2315,7 @@
     </p:spTree>
     <p:extLst>
       <p:ext uri="{BB962C8B-B14F-4D97-AF65-F5344CB8AC3E}">
-        <p14:creationId xmlns:p14="http://schemas.microsoft.com/office/powerpoint/2010/main" val="1789382781"/>
+        <p14:creationId xmlns:p14="http://schemas.microsoft.com/office/powerpoint/2010/main" val="2244667193"/>
       </p:ext>
     </p:extLst>
   </p:cSld>
@@ -1460,7 +2399,7 @@
     </p:spTree>
     <p:extLst>
       <p:ext uri="{BB962C8B-B14F-4D97-AF65-F5344CB8AC3E}">
-        <p14:creationId xmlns:p14="http://schemas.microsoft.com/office/powerpoint/2010/main" val="2856993590"/>
+        <p14:creationId xmlns:p14="http://schemas.microsoft.com/office/powerpoint/2010/main" val="1789382781"/>
       </p:ext>
     </p:extLst>
   </p:cSld>
@@ -1544,7 +2483,7 @@
     </p:spTree>
     <p:extLst>
       <p:ext uri="{BB962C8B-B14F-4D97-AF65-F5344CB8AC3E}">
-        <p14:creationId xmlns:p14="http://schemas.microsoft.com/office/powerpoint/2010/main" val="236816387"/>
+        <p14:creationId xmlns:p14="http://schemas.microsoft.com/office/powerpoint/2010/main" val="2856993590"/>
       </p:ext>
     </p:extLst>
   </p:cSld>
@@ -1628,7 +2567,7 @@
     </p:spTree>
     <p:extLst>
       <p:ext uri="{BB962C8B-B14F-4D97-AF65-F5344CB8AC3E}">
-        <p14:creationId xmlns:p14="http://schemas.microsoft.com/office/powerpoint/2010/main" val="2532193840"/>
+        <p14:creationId xmlns:p14="http://schemas.microsoft.com/office/powerpoint/2010/main" val="3328748207"/>
       </p:ext>
     </p:extLst>
   </p:cSld>
@@ -1712,7 +2651,7 @@
     </p:spTree>
     <p:extLst>
       <p:ext uri="{BB962C8B-B14F-4D97-AF65-F5344CB8AC3E}">
-        <p14:creationId xmlns:p14="http://schemas.microsoft.com/office/powerpoint/2010/main" val="839213642"/>
+        <p14:creationId xmlns:p14="http://schemas.microsoft.com/office/powerpoint/2010/main" val="1462962648"/>
       </p:ext>
     </p:extLst>
   </p:cSld>
@@ -10487,6 +11426,611 @@
 <file path=ppt/slides/slide10.xml><?xml version="1.0" encoding="utf-8"?>
 <p:sld xmlns:a="http://schemas.openxmlformats.org/drawingml/2006/main" xmlns:r="http://schemas.openxmlformats.org/officeDocument/2006/relationships" xmlns:p="http://schemas.openxmlformats.org/presentationml/2006/main">
   <p:cSld>
+    <p:spTree>
+      <p:nvGrpSpPr>
+        <p:cNvPr id="1" name=""/>
+        <p:cNvGrpSpPr/>
+        <p:nvPr/>
+      </p:nvGrpSpPr>
+      <p:grpSpPr>
+        <a:xfrm>
+          <a:off x="0" y="0"/>
+          <a:ext cx="0" cy="0"/>
+          <a:chOff x="0" y="0"/>
+          <a:chExt cx="0" cy="0"/>
+        </a:xfrm>
+      </p:grpSpPr>
+      <p:sp>
+        <p:nvSpPr>
+          <p:cNvPr id="2" name="Title 1">
+            <a:extLst>
+              <a:ext uri="{FF2B5EF4-FFF2-40B4-BE49-F238E27FC236}">
+                <a16:creationId xmlns:a16="http://schemas.microsoft.com/office/drawing/2014/main" id="{E117F7C5-CBA2-9823-0CBA-5BD773998046}"/>
+              </a:ext>
+            </a:extLst>
+          </p:cNvPr>
+          <p:cNvSpPr>
+            <a:spLocks noGrp="1"/>
+          </p:cNvSpPr>
+          <p:nvPr>
+            <p:ph type="title"/>
+          </p:nvPr>
+        </p:nvSpPr>
+        <p:spPr>
+          <a:xfrm>
+            <a:off x="321869" y="579120"/>
+            <a:ext cx="11548261" cy="2733306"/>
+          </a:xfrm>
+        </p:spPr>
+        <p:txBody>
+          <a:bodyPr/>
+          <a:lstStyle/>
+          <a:p>
+            <a:r>
+              <a:rPr lang="en-US" dirty="0"/>
+              <a:t>Total spending</a:t>
+            </a:r>
+          </a:p>
+        </p:txBody>
+      </p:sp>
+      <p:sp>
+        <p:nvSpPr>
+          <p:cNvPr id="4" name="Subtitle 3">
+            <a:extLst>
+              <a:ext uri="{FF2B5EF4-FFF2-40B4-BE49-F238E27FC236}">
+                <a16:creationId xmlns:a16="http://schemas.microsoft.com/office/drawing/2014/main" id="{260D053B-A40A-3228-B6D5-3371B9EE2E56}"/>
+              </a:ext>
+            </a:extLst>
+          </p:cNvPr>
+          <p:cNvSpPr>
+            <a:spLocks noGrp="1"/>
+          </p:cNvSpPr>
+          <p:nvPr>
+            <p:ph type="subTitle" idx="1"/>
+          </p:nvPr>
+        </p:nvSpPr>
+        <p:spPr>
+          <a:xfrm>
+            <a:off x="321868" y="3484615"/>
+            <a:ext cx="11562303" cy="2387865"/>
+          </a:xfrm>
+        </p:spPr>
+        <p:txBody>
+          <a:bodyPr/>
+          <a:lstStyle/>
+          <a:p>
+            <a:r>
+              <a:rPr lang="en-US" dirty="0"/>
+              <a:t>Regression Plotting</a:t>
+            </a:r>
+          </a:p>
+        </p:txBody>
+      </p:sp>
+      <p:sp>
+        <p:nvSpPr>
+          <p:cNvPr id="3" name="Slide Number Placeholder 2">
+            <a:extLst>
+              <a:ext uri="{FF2B5EF4-FFF2-40B4-BE49-F238E27FC236}">
+                <a16:creationId xmlns:a16="http://schemas.microsoft.com/office/drawing/2014/main" id="{A6A971A9-0C5C-DDFC-67F9-2E5A55F12F67}"/>
+              </a:ext>
+            </a:extLst>
+          </p:cNvPr>
+          <p:cNvSpPr>
+            <a:spLocks noGrp="1"/>
+          </p:cNvSpPr>
+          <p:nvPr>
+            <p:ph type="sldNum" sz="quarter" idx="12"/>
+          </p:nvPr>
+        </p:nvSpPr>
+        <p:spPr>
+          <a:xfrm>
+            <a:off x="9140971" y="6226198"/>
+            <a:ext cx="2743200" cy="365125"/>
+          </a:xfrm>
+        </p:spPr>
+        <p:txBody>
+          <a:bodyPr/>
+          <a:lstStyle/>
+          <a:p>
+            <a:fld id="{FE024F78-56A6-7740-B68D-8D4D026EDF3F}" type="slidenum">
+              <a:rPr lang="en-US" smtClean="0"/>
+              <a:pPr/>
+              <a:t>10</a:t>
+            </a:fld>
+            <a:endParaRPr lang="en-US" dirty="0"/>
+          </a:p>
+        </p:txBody>
+      </p:sp>
+    </p:spTree>
+    <p:extLst>
+      <p:ext uri="{BB962C8B-B14F-4D97-AF65-F5344CB8AC3E}">
+        <p14:creationId xmlns:p14="http://schemas.microsoft.com/office/powerpoint/2010/main" val="3672981750"/>
+      </p:ext>
+    </p:extLst>
+  </p:cSld>
+  <p:clrMapOvr>
+    <a:masterClrMapping/>
+  </p:clrMapOvr>
+</p:sld>
+</file>
+
+<file path=ppt/slides/slide11.xml><?xml version="1.0" encoding="utf-8"?>
+<p:sld xmlns:a="http://schemas.openxmlformats.org/drawingml/2006/main" xmlns:r="http://schemas.openxmlformats.org/officeDocument/2006/relationships" xmlns:p="http://schemas.openxmlformats.org/presentationml/2006/main">
+  <p:cSld>
+    <p:spTree>
+      <p:nvGrpSpPr>
+        <p:cNvPr id="1" name=""/>
+        <p:cNvGrpSpPr/>
+        <p:nvPr/>
+      </p:nvGrpSpPr>
+      <p:grpSpPr>
+        <a:xfrm>
+          <a:off x="0" y="0"/>
+          <a:ext cx="0" cy="0"/>
+          <a:chOff x="0" y="0"/>
+          <a:chExt cx="0" cy="0"/>
+        </a:xfrm>
+      </p:grpSpPr>
+      <p:sp>
+        <p:nvSpPr>
+          <p:cNvPr id="3" name="Title 2">
+            <a:extLst>
+              <a:ext uri="{FF2B5EF4-FFF2-40B4-BE49-F238E27FC236}">
+                <a16:creationId xmlns:a16="http://schemas.microsoft.com/office/drawing/2014/main" id="{06DE3104-398C-EF95-D86E-630F512487F9}"/>
+              </a:ext>
+            </a:extLst>
+          </p:cNvPr>
+          <p:cNvSpPr>
+            <a:spLocks noGrp="1"/>
+          </p:cNvSpPr>
+          <p:nvPr>
+            <p:ph type="title"/>
+          </p:nvPr>
+        </p:nvSpPr>
+        <p:spPr>
+          <a:xfrm>
+            <a:off x="835370" y="171396"/>
+            <a:ext cx="3736630" cy="2202350"/>
+          </a:xfrm>
+        </p:spPr>
+        <p:txBody>
+          <a:bodyPr/>
+          <a:lstStyle/>
+          <a:p>
+            <a:r>
+              <a:rPr lang="en-US" dirty="0"/>
+              <a:t>Regression Plotting</a:t>
+            </a:r>
+          </a:p>
+        </p:txBody>
+      </p:sp>
+      <p:sp>
+        <p:nvSpPr>
+          <p:cNvPr id="4" name="Content Placeholder 3">
+            <a:extLst>
+              <a:ext uri="{FF2B5EF4-FFF2-40B4-BE49-F238E27FC236}">
+                <a16:creationId xmlns:a16="http://schemas.microsoft.com/office/drawing/2014/main" id="{67328E6B-D306-C2F9-54E9-FD35599AC24B}"/>
+              </a:ext>
+            </a:extLst>
+          </p:cNvPr>
+          <p:cNvSpPr>
+            <a:spLocks noGrp="1"/>
+          </p:cNvSpPr>
+          <p:nvPr>
+            <p:ph sz="quarter" idx="36"/>
+          </p:nvPr>
+        </p:nvSpPr>
+        <p:spPr>
+          <a:xfrm>
+            <a:off x="841716" y="3078480"/>
+            <a:ext cx="3108193" cy="3047997"/>
+          </a:xfrm>
+        </p:spPr>
+        <p:txBody>
+          <a:bodyPr/>
+          <a:lstStyle/>
+          <a:p>
+            <a:r>
+              <a:rPr lang="en-US" dirty="0"/>
+              <a:t>XXXX</a:t>
+            </a:r>
+          </a:p>
+        </p:txBody>
+      </p:sp>
+      <p:pic>
+        <p:nvPicPr>
+          <p:cNvPr id="2050" name="Picture 2">
+            <a:extLst>
+              <a:ext uri="{FF2B5EF4-FFF2-40B4-BE49-F238E27FC236}">
+                <a16:creationId xmlns:a16="http://schemas.microsoft.com/office/drawing/2014/main" id="{49DD65AD-7CB2-8606-D1B3-5FCECF65C795}"/>
+              </a:ext>
+            </a:extLst>
+          </p:cNvPr>
+          <p:cNvPicPr>
+            <a:picLocks noChangeAspect="1" noChangeArrowheads="1"/>
+          </p:cNvPicPr>
+          <p:nvPr/>
+        </p:nvPicPr>
+        <p:blipFill>
+          <a:blip r:embed="rId3">
+            <a:extLst>
+              <a:ext uri="{28A0092B-C50C-407E-A947-70E740481C1C}">
+                <a14:useLocalDpi xmlns:a14="http://schemas.microsoft.com/office/drawing/2010/main" val="0"/>
+              </a:ext>
+            </a:extLst>
+          </a:blip>
+          <a:srcRect/>
+          <a:stretch>
+            <a:fillRect/>
+          </a:stretch>
+        </p:blipFill>
+        <p:spPr bwMode="auto">
+          <a:xfrm>
+            <a:off x="5883198" y="135155"/>
+            <a:ext cx="5334000" cy="3200400"/>
+          </a:xfrm>
+          <a:prstGeom prst="rect">
+            <a:avLst/>
+          </a:prstGeom>
+          <a:noFill/>
+          <a:extLst>
+            <a:ext uri="{909E8E84-426E-40DD-AFC4-6F175D3DCCD1}">
+              <a14:hiddenFill xmlns:a14="http://schemas.microsoft.com/office/drawing/2010/main">
+                <a:solidFill>
+                  <a:srgbClr val="FFFFFF"/>
+                </a:solidFill>
+              </a14:hiddenFill>
+            </a:ext>
+          </a:extLst>
+        </p:spPr>
+      </p:pic>
+      <p:pic>
+        <p:nvPicPr>
+          <p:cNvPr id="2052" name="Picture 4">
+            <a:extLst>
+              <a:ext uri="{FF2B5EF4-FFF2-40B4-BE49-F238E27FC236}">
+                <a16:creationId xmlns:a16="http://schemas.microsoft.com/office/drawing/2014/main" id="{210C1749-8479-BBE3-EFC7-F0FE5B04D4F7}"/>
+              </a:ext>
+            </a:extLst>
+          </p:cNvPr>
+          <p:cNvPicPr>
+            <a:picLocks noChangeAspect="1" noChangeArrowheads="1"/>
+          </p:cNvPicPr>
+          <p:nvPr/>
+        </p:nvPicPr>
+        <p:blipFill>
+          <a:blip r:embed="rId4">
+            <a:extLst>
+              <a:ext uri="{28A0092B-C50C-407E-A947-70E740481C1C}">
+                <a14:useLocalDpi xmlns:a14="http://schemas.microsoft.com/office/drawing/2010/main" val="0"/>
+              </a:ext>
+            </a:extLst>
+          </a:blip>
+          <a:srcRect/>
+          <a:stretch>
+            <a:fillRect/>
+          </a:stretch>
+        </p:blipFill>
+        <p:spPr bwMode="auto">
+          <a:xfrm>
+            <a:off x="5883198" y="3522446"/>
+            <a:ext cx="5334000" cy="3200400"/>
+          </a:xfrm>
+          <a:prstGeom prst="rect">
+            <a:avLst/>
+          </a:prstGeom>
+          <a:noFill/>
+          <a:extLst>
+            <a:ext uri="{909E8E84-426E-40DD-AFC4-6F175D3DCCD1}">
+              <a14:hiddenFill xmlns:a14="http://schemas.microsoft.com/office/drawing/2010/main">
+                <a:solidFill>
+                  <a:srgbClr val="FFFFFF"/>
+                </a:solidFill>
+              </a14:hiddenFill>
+            </a:ext>
+          </a:extLst>
+        </p:spPr>
+      </p:pic>
+    </p:spTree>
+    <p:extLst>
+      <p:ext uri="{BB962C8B-B14F-4D97-AF65-F5344CB8AC3E}">
+        <p14:creationId xmlns:p14="http://schemas.microsoft.com/office/powerpoint/2010/main" val="873525583"/>
+      </p:ext>
+    </p:extLst>
+  </p:cSld>
+  <p:clrMapOvr>
+    <a:masterClrMapping/>
+  </p:clrMapOvr>
+</p:sld>
+</file>
+
+<file path=ppt/slides/slide12.xml><?xml version="1.0" encoding="utf-8"?>
+<p:sld xmlns:a="http://schemas.openxmlformats.org/drawingml/2006/main" xmlns:r="http://schemas.openxmlformats.org/officeDocument/2006/relationships" xmlns:p="http://schemas.openxmlformats.org/presentationml/2006/main">
+  <p:cSld>
+    <p:spTree>
+      <p:nvGrpSpPr>
+        <p:cNvPr id="1" name=""/>
+        <p:cNvGrpSpPr/>
+        <p:nvPr/>
+      </p:nvGrpSpPr>
+      <p:grpSpPr>
+        <a:xfrm>
+          <a:off x="0" y="0"/>
+          <a:ext cx="0" cy="0"/>
+          <a:chOff x="0" y="0"/>
+          <a:chExt cx="0" cy="0"/>
+        </a:xfrm>
+      </p:grpSpPr>
+      <p:sp>
+        <p:nvSpPr>
+          <p:cNvPr id="3" name="Title 2">
+            <a:extLst>
+              <a:ext uri="{FF2B5EF4-FFF2-40B4-BE49-F238E27FC236}">
+                <a16:creationId xmlns:a16="http://schemas.microsoft.com/office/drawing/2014/main" id="{06DE3104-398C-EF95-D86E-630F512487F9}"/>
+              </a:ext>
+            </a:extLst>
+          </p:cNvPr>
+          <p:cNvSpPr>
+            <a:spLocks noGrp="1"/>
+          </p:cNvSpPr>
+          <p:nvPr>
+            <p:ph type="title"/>
+          </p:nvPr>
+        </p:nvSpPr>
+        <p:spPr>
+          <a:xfrm>
+            <a:off x="835370" y="171396"/>
+            <a:ext cx="3736630" cy="2202350"/>
+          </a:xfrm>
+        </p:spPr>
+        <p:txBody>
+          <a:bodyPr/>
+          <a:lstStyle/>
+          <a:p>
+            <a:r>
+              <a:rPr lang="en-US" dirty="0"/>
+              <a:t>Regression Plotting</a:t>
+            </a:r>
+          </a:p>
+        </p:txBody>
+      </p:sp>
+      <p:sp>
+        <p:nvSpPr>
+          <p:cNvPr id="4" name="Content Placeholder 3">
+            <a:extLst>
+              <a:ext uri="{FF2B5EF4-FFF2-40B4-BE49-F238E27FC236}">
+                <a16:creationId xmlns:a16="http://schemas.microsoft.com/office/drawing/2014/main" id="{67328E6B-D306-C2F9-54E9-FD35599AC24B}"/>
+              </a:ext>
+            </a:extLst>
+          </p:cNvPr>
+          <p:cNvSpPr>
+            <a:spLocks noGrp="1"/>
+          </p:cNvSpPr>
+          <p:nvPr>
+            <p:ph sz="quarter" idx="36"/>
+          </p:nvPr>
+        </p:nvSpPr>
+        <p:spPr>
+          <a:xfrm>
+            <a:off x="841716" y="3078480"/>
+            <a:ext cx="3108193" cy="3047997"/>
+          </a:xfrm>
+        </p:spPr>
+        <p:txBody>
+          <a:bodyPr/>
+          <a:lstStyle/>
+          <a:p>
+            <a:r>
+              <a:rPr lang="en-US" dirty="0"/>
+              <a:t>XXXX</a:t>
+            </a:r>
+          </a:p>
+        </p:txBody>
+      </p:sp>
+      <p:pic>
+        <p:nvPicPr>
+          <p:cNvPr id="2" name="Picture 1">
+            <a:extLst>
+              <a:ext uri="{FF2B5EF4-FFF2-40B4-BE49-F238E27FC236}">
+                <a16:creationId xmlns:a16="http://schemas.microsoft.com/office/drawing/2014/main" id="{87980702-AB7C-C29E-0925-D2F8F5B16217}"/>
+              </a:ext>
+            </a:extLst>
+          </p:cNvPr>
+          <p:cNvPicPr>
+            <a:picLocks noChangeAspect="1"/>
+          </p:cNvPicPr>
+          <p:nvPr/>
+        </p:nvPicPr>
+        <p:blipFill>
+          <a:blip r:embed="rId3"/>
+          <a:stretch>
+            <a:fillRect/>
+          </a:stretch>
+        </p:blipFill>
+        <p:spPr>
+          <a:xfrm>
+            <a:off x="5890632" y="1724722"/>
+            <a:ext cx="5334000" cy="3200400"/>
+          </a:xfrm>
+          <a:prstGeom prst="rect">
+            <a:avLst/>
+          </a:prstGeom>
+        </p:spPr>
+      </p:pic>
+    </p:spTree>
+    <p:extLst>
+      <p:ext uri="{BB962C8B-B14F-4D97-AF65-F5344CB8AC3E}">
+        <p14:creationId xmlns:p14="http://schemas.microsoft.com/office/powerpoint/2010/main" val="870782436"/>
+      </p:ext>
+    </p:extLst>
+  </p:cSld>
+  <p:clrMapOvr>
+    <a:masterClrMapping/>
+  </p:clrMapOvr>
+</p:sld>
+</file>
+
+<file path=ppt/slides/slide13.xml><?xml version="1.0" encoding="utf-8"?>
+<p:sld xmlns:a="http://schemas.openxmlformats.org/drawingml/2006/main" xmlns:r="http://schemas.openxmlformats.org/officeDocument/2006/relationships" xmlns:p="http://schemas.openxmlformats.org/presentationml/2006/main">
+  <p:cSld>
+    <p:spTree>
+      <p:nvGrpSpPr>
+        <p:cNvPr id="1" name=""/>
+        <p:cNvGrpSpPr/>
+        <p:nvPr/>
+      </p:nvGrpSpPr>
+      <p:grpSpPr>
+        <a:xfrm>
+          <a:off x="0" y="0"/>
+          <a:ext cx="0" cy="0"/>
+          <a:chOff x="0" y="0"/>
+          <a:chExt cx="0" cy="0"/>
+        </a:xfrm>
+      </p:grpSpPr>
+      <p:sp>
+        <p:nvSpPr>
+          <p:cNvPr id="2" name="Title 1">
+            <a:extLst>
+              <a:ext uri="{FF2B5EF4-FFF2-40B4-BE49-F238E27FC236}">
+                <a16:creationId xmlns:a16="http://schemas.microsoft.com/office/drawing/2014/main" id="{A2DE810E-8E37-1D8A-245B-020E4E4C0B9F}"/>
+              </a:ext>
+            </a:extLst>
+          </p:cNvPr>
+          <p:cNvSpPr>
+            <a:spLocks noGrp="1"/>
+          </p:cNvSpPr>
+          <p:nvPr>
+            <p:ph type="title"/>
+          </p:nvPr>
+        </p:nvSpPr>
+        <p:spPr>
+          <a:xfrm>
+            <a:off x="733562" y="433906"/>
+            <a:ext cx="10515601" cy="1327464"/>
+          </a:xfrm>
+        </p:spPr>
+        <p:txBody>
+          <a:bodyPr/>
+          <a:lstStyle/>
+          <a:p>
+            <a:r>
+              <a:rPr lang="en-US" dirty="0"/>
+              <a:t>FINAL TAKEAWAYS</a:t>
+            </a:r>
+          </a:p>
+        </p:txBody>
+      </p:sp>
+      <p:sp>
+        <p:nvSpPr>
+          <p:cNvPr id="3" name="Content Placeholder 2">
+            <a:extLst>
+              <a:ext uri="{FF2B5EF4-FFF2-40B4-BE49-F238E27FC236}">
+                <a16:creationId xmlns:a16="http://schemas.microsoft.com/office/drawing/2014/main" id="{7D7CECA3-144C-CD4B-9246-81B4F2E65466}"/>
+              </a:ext>
+            </a:extLst>
+          </p:cNvPr>
+          <p:cNvSpPr>
+            <a:spLocks noGrp="1"/>
+          </p:cNvSpPr>
+          <p:nvPr>
+            <p:ph sz="quarter" idx="36"/>
+          </p:nvPr>
+        </p:nvSpPr>
+        <p:spPr>
+          <a:xfrm>
+            <a:off x="814302" y="2465535"/>
+            <a:ext cx="7303538" cy="3427265"/>
+          </a:xfrm>
+        </p:spPr>
+        <p:txBody>
+          <a:bodyPr/>
+          <a:lstStyle/>
+          <a:p>
+            <a:endParaRPr lang="en-US" dirty="0"/>
+          </a:p>
+        </p:txBody>
+      </p:sp>
+      <p:sp>
+        <p:nvSpPr>
+          <p:cNvPr id="5" name="Content Placeholder 4">
+            <a:extLst>
+              <a:ext uri="{FF2B5EF4-FFF2-40B4-BE49-F238E27FC236}">
+                <a16:creationId xmlns:a16="http://schemas.microsoft.com/office/drawing/2014/main" id="{A33D1544-95D3-8A05-6E1B-C08C307C55D4}"/>
+              </a:ext>
+            </a:extLst>
+          </p:cNvPr>
+          <p:cNvSpPr>
+            <a:spLocks noGrp="1"/>
+          </p:cNvSpPr>
+          <p:nvPr>
+            <p:ph sz="quarter" idx="37"/>
+          </p:nvPr>
+        </p:nvSpPr>
+        <p:spPr>
+          <a:xfrm>
+            <a:off x="8392160" y="2465388"/>
+            <a:ext cx="2856865" cy="3427412"/>
+          </a:xfrm>
+        </p:spPr>
+        <p:txBody>
+          <a:bodyPr/>
+          <a:lstStyle/>
+          <a:p>
+            <a:endParaRPr lang="en-US" dirty="0"/>
+          </a:p>
+        </p:txBody>
+      </p:sp>
+      <p:sp>
+        <p:nvSpPr>
+          <p:cNvPr id="4" name="Slide Number Placeholder 3">
+            <a:extLst>
+              <a:ext uri="{FF2B5EF4-FFF2-40B4-BE49-F238E27FC236}">
+                <a16:creationId xmlns:a16="http://schemas.microsoft.com/office/drawing/2014/main" id="{FD1E69EA-A9E8-C521-7C62-DA1F24879918}"/>
+              </a:ext>
+            </a:extLst>
+          </p:cNvPr>
+          <p:cNvSpPr>
+            <a:spLocks noGrp="1"/>
+          </p:cNvSpPr>
+          <p:nvPr>
+            <p:ph type="sldNum" sz="quarter" idx="12"/>
+          </p:nvPr>
+        </p:nvSpPr>
+        <p:spPr>
+          <a:xfrm>
+            <a:off x="9140971" y="6226198"/>
+            <a:ext cx="2743200" cy="365125"/>
+          </a:xfrm>
+        </p:spPr>
+        <p:txBody>
+          <a:bodyPr/>
+          <a:lstStyle/>
+          <a:p>
+            <a:fld id="{FE024F78-56A6-7740-B68D-8D4D026EDF3F}" type="slidenum">
+              <a:rPr lang="en-US" smtClean="0"/>
+              <a:pPr/>
+              <a:t>13</a:t>
+            </a:fld>
+            <a:endParaRPr lang="en-US" dirty="0"/>
+          </a:p>
+        </p:txBody>
+      </p:sp>
+    </p:spTree>
+    <p:extLst>
+      <p:ext uri="{BB962C8B-B14F-4D97-AF65-F5344CB8AC3E}">
+        <p14:creationId xmlns:p14="http://schemas.microsoft.com/office/powerpoint/2010/main" val="79695288"/>
+      </p:ext>
+    </p:extLst>
+  </p:cSld>
+  <p:clrMapOvr>
+    <a:masterClrMapping/>
+  </p:clrMapOvr>
+</p:sld>
+</file>
+
+<file path=ppt/slides/slide14.xml><?xml version="1.0" encoding="utf-8"?>
+<p:sld xmlns:a="http://schemas.openxmlformats.org/drawingml/2006/main" xmlns:r="http://schemas.openxmlformats.org/officeDocument/2006/relationships" xmlns:p="http://schemas.openxmlformats.org/presentationml/2006/main">
+  <p:cSld>
     <p:bg>
       <p:bgPr>
         <a:gradFill>
@@ -10743,6 +12287,42 @@
           </a:p>
         </p:txBody>
       </p:sp>
+      <p:pic>
+        <p:nvPicPr>
+          <p:cNvPr id="3" name="Graphic 2" descr="Frangipani outline">
+            <a:extLst>
+              <a:ext uri="{FF2B5EF4-FFF2-40B4-BE49-F238E27FC236}">
+                <a16:creationId xmlns:a16="http://schemas.microsoft.com/office/drawing/2014/main" id="{3A576D96-680B-2BB7-493C-5C06C6CE61F9}"/>
+              </a:ext>
+            </a:extLst>
+          </p:cNvPr>
+          <p:cNvPicPr>
+            <a:picLocks noChangeAspect="1"/>
+          </p:cNvPicPr>
+          <p:nvPr/>
+        </p:nvPicPr>
+        <p:blipFill>
+          <a:blip r:embed="rId3">
+            <a:extLst>
+              <a:ext uri="{96DAC541-7B7A-43D3-8B79-37D633B846F1}">
+                <asvg:svgBlip xmlns:asvg="http://schemas.microsoft.com/office/drawing/2016/SVG/main" r:embed="rId4"/>
+              </a:ext>
+            </a:extLst>
+          </a:blip>
+          <a:stretch>
+            <a:fillRect/>
+          </a:stretch>
+        </p:blipFill>
+        <p:spPr>
+          <a:xfrm>
+            <a:off x="11484244" y="6150244"/>
+            <a:ext cx="707756" cy="707756"/>
+          </a:xfrm>
+          <a:prstGeom prst="rect">
+            <a:avLst/>
+          </a:prstGeom>
+        </p:spPr>
+      </p:pic>
     </p:spTree>
     <p:extLst>
       <p:ext uri="{BB962C8B-B14F-4D97-AF65-F5344CB8AC3E}">
@@ -10874,6 +12454,42 @@
           </a:p>
         </p:txBody>
       </p:sp>
+      <p:pic>
+        <p:nvPicPr>
+          <p:cNvPr id="6" name="Graphic 5" descr="Cruise ship outline">
+            <a:extLst>
+              <a:ext uri="{FF2B5EF4-FFF2-40B4-BE49-F238E27FC236}">
+                <a16:creationId xmlns:a16="http://schemas.microsoft.com/office/drawing/2014/main" id="{00422618-F9B7-21E4-7BEA-8338F411EFF6}"/>
+              </a:ext>
+            </a:extLst>
+          </p:cNvPr>
+          <p:cNvPicPr>
+            <a:picLocks noChangeAspect="1"/>
+          </p:cNvPicPr>
+          <p:nvPr/>
+        </p:nvPicPr>
+        <p:blipFill>
+          <a:blip r:embed="rId3">
+            <a:extLst>
+              <a:ext uri="{96DAC541-7B7A-43D3-8B79-37D633B846F1}">
+                <asvg:svgBlip xmlns:asvg="http://schemas.microsoft.com/office/drawing/2016/SVG/main" r:embed="rId4"/>
+              </a:ext>
+            </a:extLst>
+          </a:blip>
+          <a:stretch>
+            <a:fillRect/>
+          </a:stretch>
+        </p:blipFill>
+        <p:spPr>
+          <a:xfrm>
+            <a:off x="333817" y="346082"/>
+            <a:ext cx="764260" cy="764260"/>
+          </a:xfrm>
+          <a:prstGeom prst="rect">
+            <a:avLst/>
+          </a:prstGeom>
+        </p:spPr>
+      </p:pic>
     </p:spTree>
     <p:extLst>
       <p:ext uri="{BB962C8B-B14F-4D97-AF65-F5344CB8AC3E}">
@@ -10937,36 +12553,615 @@
           </a:p>
         </p:txBody>
       </p:sp>
-      <p:sp>
-        <p:nvSpPr>
-          <p:cNvPr id="4" name="Content Placeholder 3">
+      <p:pic>
+        <p:nvPicPr>
+          <p:cNvPr id="5" name="Content Placeholder 4" descr="A graph of different colored lines&#10;&#10;Description automatically generated">
             <a:extLst>
               <a:ext uri="{FF2B5EF4-FFF2-40B4-BE49-F238E27FC236}">
-                <a16:creationId xmlns:a16="http://schemas.microsoft.com/office/drawing/2014/main" id="{67328E6B-D306-C2F9-54E9-FD35599AC24B}"/>
+                <a16:creationId xmlns:a16="http://schemas.microsoft.com/office/drawing/2014/main" id="{E639DBFE-8153-AF74-90C9-D07677A37434}"/>
               </a:ext>
             </a:extLst>
           </p:cNvPr>
-          <p:cNvSpPr>
-            <a:spLocks noGrp="1"/>
-          </p:cNvSpPr>
+          <p:cNvPicPr>
+            <a:picLocks noGrp="1" noChangeAspect="1"/>
+          </p:cNvPicPr>
           <p:nvPr>
             <p:ph sz="quarter" idx="36"/>
           </p:nvPr>
+        </p:nvPicPr>
+        <p:blipFill rotWithShape="1">
+          <a:blip r:embed="rId3"/>
+          <a:srcRect l="2561" r="4918"/>
+          <a:stretch/>
+        </p:blipFill>
+        <p:spPr>
+          <a:xfrm>
+            <a:off x="5560863" y="3494460"/>
+            <a:ext cx="5922057" cy="3200400"/>
+          </a:xfrm>
+        </p:spPr>
+      </p:pic>
+      <p:pic>
+        <p:nvPicPr>
+          <p:cNvPr id="7" name="Picture 6" descr="A graph with a line&#10;&#10;Description automatically generated">
+            <a:extLst>
+              <a:ext uri="{FF2B5EF4-FFF2-40B4-BE49-F238E27FC236}">
+                <a16:creationId xmlns:a16="http://schemas.microsoft.com/office/drawing/2014/main" id="{6CA5166E-14E6-D99F-3C95-0556351E7E0B}"/>
+              </a:ext>
+            </a:extLst>
+          </p:cNvPr>
+          <p:cNvPicPr>
+            <a:picLocks noChangeAspect="1"/>
+          </p:cNvPicPr>
+          <p:nvPr/>
+        </p:nvPicPr>
+        <p:blipFill rotWithShape="1">
+          <a:blip r:embed="rId4"/>
+          <a:srcRect r="1311"/>
+          <a:stretch/>
+        </p:blipFill>
+        <p:spPr>
+          <a:xfrm>
+            <a:off x="5560863" y="228600"/>
+            <a:ext cx="5922057" cy="3200400"/>
+          </a:xfrm>
+          <a:prstGeom prst="rect">
+            <a:avLst/>
+          </a:prstGeom>
+        </p:spPr>
+      </p:pic>
+      <p:sp>
+        <p:nvSpPr>
+          <p:cNvPr id="12" name="Content Placeholder 3">
+            <a:extLst>
+              <a:ext uri="{FF2B5EF4-FFF2-40B4-BE49-F238E27FC236}">
+                <a16:creationId xmlns:a16="http://schemas.microsoft.com/office/drawing/2014/main" id="{4AEE3D8B-2B58-9E4C-504D-C26E9473BB37}"/>
+              </a:ext>
+            </a:extLst>
+          </p:cNvPr>
+          <p:cNvSpPr txBox="1">
+            <a:spLocks/>
+          </p:cNvSpPr>
+          <p:nvPr/>
         </p:nvSpPr>
         <p:spPr>
           <a:xfrm>
             <a:off x="841716" y="3078480"/>
             <a:ext cx="3108193" cy="3047997"/>
           </a:xfrm>
+          <a:prstGeom prst="rect">
+            <a:avLst/>
+          </a:prstGeom>
         </p:spPr>
         <p:txBody>
-          <a:bodyPr/>
-          <a:lstStyle/>
+          <a:bodyPr vert="horz" lIns="91440" tIns="45720" rIns="91440" bIns="45720" rtlCol="0">
+            <a:noAutofit/>
+          </a:bodyPr>
+          <a:lstStyle>
+            <a:lvl1pPr marL="0" indent="0" algn="l" defTabSz="914400" rtl="0" eaLnBrk="1" latinLnBrk="0" hangingPunct="1">
+              <a:lnSpc>
+                <a:spcPct val="120000"/>
+              </a:lnSpc>
+              <a:spcBef>
+                <a:spcPts val="1000"/>
+              </a:spcBef>
+              <a:spcAft>
+                <a:spcPts val="600"/>
+              </a:spcAft>
+              <a:buClr>
+                <a:schemeClr val="accent6"/>
+              </a:buClr>
+              <a:buFont typeface="Arial" panose="020B0604020202020204" pitchFamily="34" charset="0"/>
+              <a:buNone/>
+              <a:defRPr sz="1800" kern="1200" spc="0" baseline="0">
+                <a:solidFill>
+                  <a:schemeClr val="bg1"/>
+                </a:solidFill>
+                <a:latin typeface="+mn-lt"/>
+                <a:ea typeface="+mn-ea"/>
+                <a:cs typeface="Biome" panose="020B0503030204020804" pitchFamily="34" charset="0"/>
+              </a:defRPr>
+            </a:lvl1pPr>
+            <a:lvl2pPr marL="569214" indent="-285750" algn="l" defTabSz="914400" rtl="0" eaLnBrk="1" latinLnBrk="0" hangingPunct="1">
+              <a:lnSpc>
+                <a:spcPct val="120000"/>
+              </a:lnSpc>
+              <a:spcBef>
+                <a:spcPts val="1000"/>
+              </a:spcBef>
+              <a:spcAft>
+                <a:spcPts val="600"/>
+              </a:spcAft>
+              <a:buClr>
+                <a:schemeClr val="accent3"/>
+              </a:buClr>
+              <a:buFont typeface="Arial" panose="020B0604020202020204" pitchFamily="34" charset="0"/>
+              <a:buChar char="•"/>
+              <a:defRPr sz="1800" kern="1200" spc="0">
+                <a:solidFill>
+                  <a:schemeClr val="bg1"/>
+                </a:solidFill>
+                <a:latin typeface="+mn-lt"/>
+                <a:ea typeface="+mn-ea"/>
+                <a:cs typeface="+mn-cs"/>
+              </a:defRPr>
+            </a:lvl2pPr>
+            <a:lvl3pPr marL="861822" indent="-285750" algn="l" defTabSz="914400" rtl="0" eaLnBrk="1" latinLnBrk="0" hangingPunct="1">
+              <a:lnSpc>
+                <a:spcPct val="120000"/>
+              </a:lnSpc>
+              <a:spcBef>
+                <a:spcPts val="1000"/>
+              </a:spcBef>
+              <a:spcAft>
+                <a:spcPts val="600"/>
+              </a:spcAft>
+              <a:buClr>
+                <a:schemeClr val="accent3"/>
+              </a:buClr>
+              <a:buFont typeface="Arial" panose="020B0604020202020204" pitchFamily="34" charset="0"/>
+              <a:buChar char="•"/>
+              <a:defRPr sz="1800" kern="1200" spc="0">
+                <a:solidFill>
+                  <a:schemeClr val="bg1"/>
+                </a:solidFill>
+                <a:latin typeface="+mn-lt"/>
+                <a:ea typeface="+mn-ea"/>
+                <a:cs typeface="+mn-cs"/>
+              </a:defRPr>
+            </a:lvl3pPr>
+            <a:lvl4pPr marL="1152144" indent="-285750" algn="l" defTabSz="914400" rtl="0" eaLnBrk="1" latinLnBrk="0" hangingPunct="1">
+              <a:lnSpc>
+                <a:spcPct val="120000"/>
+              </a:lnSpc>
+              <a:spcBef>
+                <a:spcPts val="1000"/>
+              </a:spcBef>
+              <a:spcAft>
+                <a:spcPts val="600"/>
+              </a:spcAft>
+              <a:buClr>
+                <a:schemeClr val="accent3"/>
+              </a:buClr>
+              <a:buFont typeface="Arial" panose="020B0604020202020204" pitchFamily="34" charset="0"/>
+              <a:buChar char="•"/>
+              <a:defRPr sz="1800" kern="1200" spc="0">
+                <a:solidFill>
+                  <a:schemeClr val="bg1"/>
+                </a:solidFill>
+                <a:latin typeface="+mn-lt"/>
+                <a:ea typeface="+mn-ea"/>
+                <a:cs typeface="+mn-cs"/>
+              </a:defRPr>
+            </a:lvl4pPr>
+            <a:lvl5pPr marL="2114550" indent="-285750" algn="l" defTabSz="914400" rtl="0" eaLnBrk="1" latinLnBrk="0" hangingPunct="1">
+              <a:lnSpc>
+                <a:spcPct val="90000"/>
+              </a:lnSpc>
+              <a:spcBef>
+                <a:spcPts val="500"/>
+              </a:spcBef>
+              <a:buClr>
+                <a:schemeClr val="accent6"/>
+              </a:buClr>
+              <a:buFont typeface="Arial" panose="020B0604020202020204" pitchFamily="34" charset="0"/>
+              <a:buChar char="•"/>
+              <a:defRPr sz="1800" kern="1200">
+                <a:solidFill>
+                  <a:schemeClr val="bg1"/>
+                </a:solidFill>
+                <a:latin typeface="+mn-lt"/>
+                <a:ea typeface="+mn-ea"/>
+                <a:cs typeface="+mn-cs"/>
+              </a:defRPr>
+            </a:lvl5pPr>
+            <a:lvl6pPr marL="2514600" indent="-228600" algn="l" defTabSz="914400" rtl="0" eaLnBrk="1" latinLnBrk="0" hangingPunct="1">
+              <a:lnSpc>
+                <a:spcPct val="90000"/>
+              </a:lnSpc>
+              <a:spcBef>
+                <a:spcPts val="500"/>
+              </a:spcBef>
+              <a:buFont typeface="Arial" panose="020B0604020202020204" pitchFamily="34" charset="0"/>
+              <a:buChar char="•"/>
+              <a:defRPr sz="1800" kern="1200">
+                <a:solidFill>
+                  <a:schemeClr val="tx1"/>
+                </a:solidFill>
+                <a:latin typeface="+mn-lt"/>
+                <a:ea typeface="+mn-ea"/>
+                <a:cs typeface="+mn-cs"/>
+              </a:defRPr>
+            </a:lvl6pPr>
+            <a:lvl7pPr marL="2971800" indent="-228600" algn="l" defTabSz="914400" rtl="0" eaLnBrk="1" latinLnBrk="0" hangingPunct="1">
+              <a:lnSpc>
+                <a:spcPct val="90000"/>
+              </a:lnSpc>
+              <a:spcBef>
+                <a:spcPts val="500"/>
+              </a:spcBef>
+              <a:buFont typeface="Arial" panose="020B0604020202020204" pitchFamily="34" charset="0"/>
+              <a:buChar char="•"/>
+              <a:defRPr sz="1800" kern="1200">
+                <a:solidFill>
+                  <a:schemeClr val="tx1"/>
+                </a:solidFill>
+                <a:latin typeface="+mn-lt"/>
+                <a:ea typeface="+mn-ea"/>
+                <a:cs typeface="+mn-cs"/>
+              </a:defRPr>
+            </a:lvl7pPr>
+            <a:lvl8pPr marL="3429000" indent="-228600" algn="l" defTabSz="914400" rtl="0" eaLnBrk="1" latinLnBrk="0" hangingPunct="1">
+              <a:lnSpc>
+                <a:spcPct val="90000"/>
+              </a:lnSpc>
+              <a:spcBef>
+                <a:spcPts val="500"/>
+              </a:spcBef>
+              <a:buFont typeface="Arial" panose="020B0604020202020204" pitchFamily="34" charset="0"/>
+              <a:buChar char="•"/>
+              <a:defRPr sz="1800" kern="1200">
+                <a:solidFill>
+                  <a:schemeClr val="tx1"/>
+                </a:solidFill>
+                <a:latin typeface="+mn-lt"/>
+                <a:ea typeface="+mn-ea"/>
+                <a:cs typeface="+mn-cs"/>
+              </a:defRPr>
+            </a:lvl8pPr>
+            <a:lvl9pPr marL="3886200" indent="-228600" algn="l" defTabSz="914400" rtl="0" eaLnBrk="1" latinLnBrk="0" hangingPunct="1">
+              <a:lnSpc>
+                <a:spcPct val="90000"/>
+              </a:lnSpc>
+              <a:spcBef>
+                <a:spcPts val="500"/>
+              </a:spcBef>
+              <a:buFont typeface="Arial" panose="020B0604020202020204" pitchFamily="34" charset="0"/>
+              <a:buChar char="•"/>
+              <a:defRPr sz="1800" kern="1200">
+                <a:solidFill>
+                  <a:schemeClr val="tx1"/>
+                </a:solidFill>
+                <a:latin typeface="+mn-lt"/>
+                <a:ea typeface="+mn-ea"/>
+                <a:cs typeface="+mn-cs"/>
+              </a:defRPr>
+            </a:lvl9pPr>
+          </a:lstStyle>
           <a:p>
             <a:endParaRPr lang="en-US" dirty="0"/>
           </a:p>
         </p:txBody>
       </p:sp>
+      <p:sp>
+        <p:nvSpPr>
+          <p:cNvPr id="13" name="Content Placeholder 3">
+            <a:extLst>
+              <a:ext uri="{FF2B5EF4-FFF2-40B4-BE49-F238E27FC236}">
+                <a16:creationId xmlns:a16="http://schemas.microsoft.com/office/drawing/2014/main" id="{4D45BEF3-11A3-1DD7-2FBD-7AD7875B5DB0}"/>
+              </a:ext>
+            </a:extLst>
+          </p:cNvPr>
+          <p:cNvSpPr txBox="1">
+            <a:spLocks/>
+          </p:cNvSpPr>
+          <p:nvPr/>
+        </p:nvSpPr>
+        <p:spPr>
+          <a:xfrm>
+            <a:off x="333214" y="2917742"/>
+            <a:ext cx="4014061" cy="3047997"/>
+          </a:xfrm>
+          <a:prstGeom prst="rect">
+            <a:avLst/>
+          </a:prstGeom>
+        </p:spPr>
+        <p:txBody>
+          <a:bodyPr vert="horz" lIns="91440" tIns="45720" rIns="91440" bIns="45720" rtlCol="0">
+            <a:noAutofit/>
+          </a:bodyPr>
+          <a:lstStyle>
+            <a:lvl1pPr marL="0" indent="0" algn="l" defTabSz="914400" rtl="0" eaLnBrk="1" latinLnBrk="0" hangingPunct="1">
+              <a:lnSpc>
+                <a:spcPct val="120000"/>
+              </a:lnSpc>
+              <a:spcBef>
+                <a:spcPts val="1000"/>
+              </a:spcBef>
+              <a:spcAft>
+                <a:spcPts val="600"/>
+              </a:spcAft>
+              <a:buClr>
+                <a:schemeClr val="accent6"/>
+              </a:buClr>
+              <a:buFont typeface="Arial" panose="020B0604020202020204" pitchFamily="34" charset="0"/>
+              <a:buNone/>
+              <a:defRPr sz="1800" kern="1200" spc="0" baseline="0">
+                <a:solidFill>
+                  <a:schemeClr val="bg1"/>
+                </a:solidFill>
+                <a:latin typeface="+mn-lt"/>
+                <a:ea typeface="+mn-ea"/>
+                <a:cs typeface="Biome" panose="020B0503030204020804" pitchFamily="34" charset="0"/>
+              </a:defRPr>
+            </a:lvl1pPr>
+            <a:lvl2pPr marL="569214" indent="-285750" algn="l" defTabSz="914400" rtl="0" eaLnBrk="1" latinLnBrk="0" hangingPunct="1">
+              <a:lnSpc>
+                <a:spcPct val="120000"/>
+              </a:lnSpc>
+              <a:spcBef>
+                <a:spcPts val="1000"/>
+              </a:spcBef>
+              <a:spcAft>
+                <a:spcPts val="600"/>
+              </a:spcAft>
+              <a:buClr>
+                <a:schemeClr val="accent3"/>
+              </a:buClr>
+              <a:buFont typeface="Arial" panose="020B0604020202020204" pitchFamily="34" charset="0"/>
+              <a:buChar char="•"/>
+              <a:defRPr sz="1800" kern="1200" spc="0">
+                <a:solidFill>
+                  <a:schemeClr val="bg1"/>
+                </a:solidFill>
+                <a:latin typeface="+mn-lt"/>
+                <a:ea typeface="+mn-ea"/>
+                <a:cs typeface="+mn-cs"/>
+              </a:defRPr>
+            </a:lvl2pPr>
+            <a:lvl3pPr marL="861822" indent="-285750" algn="l" defTabSz="914400" rtl="0" eaLnBrk="1" latinLnBrk="0" hangingPunct="1">
+              <a:lnSpc>
+                <a:spcPct val="120000"/>
+              </a:lnSpc>
+              <a:spcBef>
+                <a:spcPts val="1000"/>
+              </a:spcBef>
+              <a:spcAft>
+                <a:spcPts val="600"/>
+              </a:spcAft>
+              <a:buClr>
+                <a:schemeClr val="accent3"/>
+              </a:buClr>
+              <a:buFont typeface="Arial" panose="020B0604020202020204" pitchFamily="34" charset="0"/>
+              <a:buChar char="•"/>
+              <a:defRPr sz="1800" kern="1200" spc="0">
+                <a:solidFill>
+                  <a:schemeClr val="bg1"/>
+                </a:solidFill>
+                <a:latin typeface="+mn-lt"/>
+                <a:ea typeface="+mn-ea"/>
+                <a:cs typeface="+mn-cs"/>
+              </a:defRPr>
+            </a:lvl3pPr>
+            <a:lvl4pPr marL="1152144" indent="-285750" algn="l" defTabSz="914400" rtl="0" eaLnBrk="1" latinLnBrk="0" hangingPunct="1">
+              <a:lnSpc>
+                <a:spcPct val="120000"/>
+              </a:lnSpc>
+              <a:spcBef>
+                <a:spcPts val="1000"/>
+              </a:spcBef>
+              <a:spcAft>
+                <a:spcPts val="600"/>
+              </a:spcAft>
+              <a:buClr>
+                <a:schemeClr val="accent3"/>
+              </a:buClr>
+              <a:buFont typeface="Arial" panose="020B0604020202020204" pitchFamily="34" charset="0"/>
+              <a:buChar char="•"/>
+              <a:defRPr sz="1800" kern="1200" spc="0">
+                <a:solidFill>
+                  <a:schemeClr val="bg1"/>
+                </a:solidFill>
+                <a:latin typeface="+mn-lt"/>
+                <a:ea typeface="+mn-ea"/>
+                <a:cs typeface="+mn-cs"/>
+              </a:defRPr>
+            </a:lvl4pPr>
+            <a:lvl5pPr marL="2114550" indent="-285750" algn="l" defTabSz="914400" rtl="0" eaLnBrk="1" latinLnBrk="0" hangingPunct="1">
+              <a:lnSpc>
+                <a:spcPct val="90000"/>
+              </a:lnSpc>
+              <a:spcBef>
+                <a:spcPts val="500"/>
+              </a:spcBef>
+              <a:buClr>
+                <a:schemeClr val="accent6"/>
+              </a:buClr>
+              <a:buFont typeface="Arial" panose="020B0604020202020204" pitchFamily="34" charset="0"/>
+              <a:buChar char="•"/>
+              <a:defRPr sz="1800" kern="1200">
+                <a:solidFill>
+                  <a:schemeClr val="bg1"/>
+                </a:solidFill>
+                <a:latin typeface="+mn-lt"/>
+                <a:ea typeface="+mn-ea"/>
+                <a:cs typeface="+mn-cs"/>
+              </a:defRPr>
+            </a:lvl5pPr>
+            <a:lvl6pPr marL="2514600" indent="-228600" algn="l" defTabSz="914400" rtl="0" eaLnBrk="1" latinLnBrk="0" hangingPunct="1">
+              <a:lnSpc>
+                <a:spcPct val="90000"/>
+              </a:lnSpc>
+              <a:spcBef>
+                <a:spcPts val="500"/>
+              </a:spcBef>
+              <a:buFont typeface="Arial" panose="020B0604020202020204" pitchFamily="34" charset="0"/>
+              <a:buChar char="•"/>
+              <a:defRPr sz="1800" kern="1200">
+                <a:solidFill>
+                  <a:schemeClr val="tx1"/>
+                </a:solidFill>
+                <a:latin typeface="+mn-lt"/>
+                <a:ea typeface="+mn-ea"/>
+                <a:cs typeface="+mn-cs"/>
+              </a:defRPr>
+            </a:lvl6pPr>
+            <a:lvl7pPr marL="2971800" indent="-228600" algn="l" defTabSz="914400" rtl="0" eaLnBrk="1" latinLnBrk="0" hangingPunct="1">
+              <a:lnSpc>
+                <a:spcPct val="90000"/>
+              </a:lnSpc>
+              <a:spcBef>
+                <a:spcPts val="500"/>
+              </a:spcBef>
+              <a:buFont typeface="Arial" panose="020B0604020202020204" pitchFamily="34" charset="0"/>
+              <a:buChar char="•"/>
+              <a:defRPr sz="1800" kern="1200">
+                <a:solidFill>
+                  <a:schemeClr val="tx1"/>
+                </a:solidFill>
+                <a:latin typeface="+mn-lt"/>
+                <a:ea typeface="+mn-ea"/>
+                <a:cs typeface="+mn-cs"/>
+              </a:defRPr>
+            </a:lvl7pPr>
+            <a:lvl8pPr marL="3429000" indent="-228600" algn="l" defTabSz="914400" rtl="0" eaLnBrk="1" latinLnBrk="0" hangingPunct="1">
+              <a:lnSpc>
+                <a:spcPct val="90000"/>
+              </a:lnSpc>
+              <a:spcBef>
+                <a:spcPts val="500"/>
+              </a:spcBef>
+              <a:buFont typeface="Arial" panose="020B0604020202020204" pitchFamily="34" charset="0"/>
+              <a:buChar char="•"/>
+              <a:defRPr sz="1800" kern="1200">
+                <a:solidFill>
+                  <a:schemeClr val="tx1"/>
+                </a:solidFill>
+                <a:latin typeface="+mn-lt"/>
+                <a:ea typeface="+mn-ea"/>
+                <a:cs typeface="+mn-cs"/>
+              </a:defRPr>
+            </a:lvl8pPr>
+            <a:lvl9pPr marL="3886200" indent="-228600" algn="l" defTabSz="914400" rtl="0" eaLnBrk="1" latinLnBrk="0" hangingPunct="1">
+              <a:lnSpc>
+                <a:spcPct val="90000"/>
+              </a:lnSpc>
+              <a:spcBef>
+                <a:spcPts val="500"/>
+              </a:spcBef>
+              <a:buFont typeface="Arial" panose="020B0604020202020204" pitchFamily="34" charset="0"/>
+              <a:buChar char="•"/>
+              <a:defRPr sz="1800" kern="1200">
+                <a:solidFill>
+                  <a:schemeClr val="tx1"/>
+                </a:solidFill>
+                <a:latin typeface="+mn-lt"/>
+                <a:ea typeface="+mn-ea"/>
+                <a:cs typeface="+mn-cs"/>
+              </a:defRPr>
+            </a:lvl9pPr>
+          </a:lstStyle>
+          <a:p>
+            <a:pPr marL="285750" indent="-285750">
+              <a:buFont typeface="Arial" panose="020B0604020202020204" pitchFamily="34" charset="0"/>
+              <a:buChar char="•"/>
+            </a:pPr>
+            <a:r>
+              <a:rPr lang="en-US" b="0" dirty="0">
+                <a:solidFill>
+                  <a:srgbClr val="CCCCCC"/>
+                </a:solidFill>
+                <a:effectLst/>
+                <a:latin typeface="Consolas" panose="020B0609020204030204" pitchFamily="49" charset="0"/>
+              </a:rPr>
+              <a:t>Female spending consistently outpaced male spending</a:t>
+            </a:r>
+            <a:r>
+              <a:rPr lang="en-US" dirty="0">
+                <a:solidFill>
+                  <a:srgbClr val="CCCCCC"/>
+                </a:solidFill>
+                <a:latin typeface="Consolas" panose="020B0609020204030204" pitchFamily="49" charset="0"/>
+              </a:rPr>
+              <a:t>.</a:t>
+            </a:r>
+          </a:p>
+          <a:p>
+            <a:pPr marL="285750" indent="-285750">
+              <a:buFont typeface="Arial" panose="020B0604020202020204" pitchFamily="34" charset="0"/>
+              <a:buChar char="•"/>
+            </a:pPr>
+            <a:r>
+              <a:rPr lang="en-US" b="0" dirty="0">
+                <a:solidFill>
+                  <a:srgbClr val="CCCCCC"/>
+                </a:solidFill>
+                <a:effectLst/>
+                <a:latin typeface="Consolas" panose="020B0609020204030204" pitchFamily="49" charset="0"/>
+              </a:rPr>
+              <a:t>Spending for Females increased from $.78 to $1.8 trillion.</a:t>
+            </a:r>
+          </a:p>
+          <a:p>
+            <a:pPr marL="285750" indent="-285750">
+              <a:buFont typeface="Arial" panose="020B0604020202020204" pitchFamily="34" charset="0"/>
+              <a:buChar char="•"/>
+            </a:pPr>
+            <a:r>
+              <a:rPr lang="en-US" b="0" dirty="0">
+                <a:solidFill>
+                  <a:srgbClr val="CCCCCC"/>
+                </a:solidFill>
+                <a:effectLst/>
+                <a:latin typeface="Consolas" panose="020B0609020204030204" pitchFamily="49" charset="0"/>
+              </a:rPr>
+              <a:t>Spending for Males increased from $.58 to $1.5 trillion. </a:t>
+            </a:r>
+          </a:p>
+          <a:p>
+            <a:pPr marL="285750" indent="-285750">
+              <a:buFont typeface="Arial" panose="020B0604020202020204" pitchFamily="34" charset="0"/>
+              <a:buChar char="•"/>
+            </a:pPr>
+            <a:r>
+              <a:rPr lang="en-US" b="0" dirty="0">
+                <a:solidFill>
+                  <a:srgbClr val="CCCCCC"/>
+                </a:solidFill>
+                <a:effectLst/>
+                <a:latin typeface="Consolas" panose="020B0609020204030204" pitchFamily="49" charset="0"/>
+              </a:rPr>
+              <a:t>The 45-64 age group has the highest spending &amp; 85+ the lowest.</a:t>
+            </a:r>
+          </a:p>
+        </p:txBody>
+      </p:sp>
+      <p:pic>
+        <p:nvPicPr>
+          <p:cNvPr id="15" name="Graphic 14" descr="Wine outline">
+            <a:extLst>
+              <a:ext uri="{FF2B5EF4-FFF2-40B4-BE49-F238E27FC236}">
+                <a16:creationId xmlns:a16="http://schemas.microsoft.com/office/drawing/2014/main" id="{86347072-678B-C6F3-9659-4E6B48266E03}"/>
+              </a:ext>
+            </a:extLst>
+          </p:cNvPr>
+          <p:cNvPicPr>
+            <a:picLocks noChangeAspect="1"/>
+          </p:cNvPicPr>
+          <p:nvPr/>
+        </p:nvPicPr>
+        <p:blipFill>
+          <a:blip r:embed="rId5">
+            <a:extLst>
+              <a:ext uri="{96DAC541-7B7A-43D3-8B79-37D633B846F1}">
+                <asvg:svgBlip xmlns:asvg="http://schemas.microsoft.com/office/drawing/2016/SVG/main" r:embed="rId6"/>
+              </a:ext>
+            </a:extLst>
+          </a:blip>
+          <a:stretch>
+            <a:fillRect/>
+          </a:stretch>
+        </p:blipFill>
+        <p:spPr>
+          <a:xfrm>
+            <a:off x="11616613" y="6228369"/>
+            <a:ext cx="629631" cy="629631"/>
+          </a:xfrm>
+          <a:prstGeom prst="rect">
+            <a:avLst/>
+          </a:prstGeom>
+        </p:spPr>
+      </p:pic>
     </p:spTree>
     <p:extLst>
       <p:ext uri="{BB962C8B-B14F-4D97-AF65-F5344CB8AC3E}">
@@ -10999,10 +13194,10 @@
       </p:grpSpPr>
       <p:sp>
         <p:nvSpPr>
-          <p:cNvPr id="2" name="Title 1">
+          <p:cNvPr id="3" name="Title 2">
             <a:extLst>
               <a:ext uri="{FF2B5EF4-FFF2-40B4-BE49-F238E27FC236}">
-                <a16:creationId xmlns:a16="http://schemas.microsoft.com/office/drawing/2014/main" id="{E117F7C5-CBA2-9823-0CBA-5BD773998046}"/>
+                <a16:creationId xmlns:a16="http://schemas.microsoft.com/office/drawing/2014/main" id="{06DE3104-398C-EF95-D86E-630F512487F9}"/>
               </a:ext>
             </a:extLst>
           </p:cNvPr>
@@ -11015,8 +13210,8 @@
         </p:nvSpPr>
         <p:spPr>
           <a:xfrm>
-            <a:off x="321869" y="579120"/>
-            <a:ext cx="11548261" cy="2733306"/>
+            <a:off x="835370" y="171396"/>
+            <a:ext cx="3736630" cy="2202350"/>
           </a:xfrm>
         </p:spPr>
         <p:txBody>
@@ -11025,83 +13220,636 @@
           <a:p>
             <a:r>
               <a:rPr lang="en-US" dirty="0"/>
-              <a:t>Total spending</a:t>
+              <a:t>sex &amp; age groups</a:t>
             </a:r>
+          </a:p>
+        </p:txBody>
+      </p:sp>
+      <p:pic>
+        <p:nvPicPr>
+          <p:cNvPr id="9" name="Picture 8">
+            <a:extLst>
+              <a:ext uri="{FF2B5EF4-FFF2-40B4-BE49-F238E27FC236}">
+                <a16:creationId xmlns:a16="http://schemas.microsoft.com/office/drawing/2014/main" id="{C7B38AFC-AC11-22E1-3CFB-C3D394C2816E}"/>
+              </a:ext>
+            </a:extLst>
+          </p:cNvPr>
+          <p:cNvPicPr>
+            <a:picLocks noChangeAspect="1"/>
+          </p:cNvPicPr>
+          <p:nvPr/>
+        </p:nvPicPr>
+        <p:blipFill>
+          <a:blip r:embed="rId3"/>
+          <a:stretch>
+            <a:fillRect/>
+          </a:stretch>
+        </p:blipFill>
+        <p:spPr>
+          <a:xfrm>
+            <a:off x="5215813" y="171396"/>
+            <a:ext cx="6400800" cy="3200400"/>
+          </a:xfrm>
+          <a:prstGeom prst="rect">
+            <a:avLst/>
+          </a:prstGeom>
+        </p:spPr>
+      </p:pic>
+      <p:pic>
+        <p:nvPicPr>
+          <p:cNvPr id="11" name="Picture 10">
+            <a:extLst>
+              <a:ext uri="{FF2B5EF4-FFF2-40B4-BE49-F238E27FC236}">
+                <a16:creationId xmlns:a16="http://schemas.microsoft.com/office/drawing/2014/main" id="{6C1D2C8C-D766-3AAB-A2EB-11C9AB895D03}"/>
+              </a:ext>
+            </a:extLst>
+          </p:cNvPr>
+          <p:cNvPicPr>
+            <a:picLocks noChangeAspect="1"/>
+          </p:cNvPicPr>
+          <p:nvPr/>
+        </p:nvPicPr>
+        <p:blipFill>
+          <a:blip r:embed="rId4"/>
+          <a:stretch>
+            <a:fillRect/>
+          </a:stretch>
+        </p:blipFill>
+        <p:spPr>
+          <a:xfrm>
+            <a:off x="5215813" y="3486205"/>
+            <a:ext cx="6400800" cy="3200400"/>
+          </a:xfrm>
+          <a:prstGeom prst="rect">
+            <a:avLst/>
+          </a:prstGeom>
+        </p:spPr>
+      </p:pic>
+      <p:sp>
+        <p:nvSpPr>
+          <p:cNvPr id="12" name="Content Placeholder 3">
+            <a:extLst>
+              <a:ext uri="{FF2B5EF4-FFF2-40B4-BE49-F238E27FC236}">
+                <a16:creationId xmlns:a16="http://schemas.microsoft.com/office/drawing/2014/main" id="{4AEE3D8B-2B58-9E4C-504D-C26E9473BB37}"/>
+              </a:ext>
+            </a:extLst>
+          </p:cNvPr>
+          <p:cNvSpPr txBox="1">
+            <a:spLocks/>
+          </p:cNvSpPr>
+          <p:nvPr/>
+        </p:nvSpPr>
+        <p:spPr>
+          <a:xfrm>
+            <a:off x="841716" y="3078480"/>
+            <a:ext cx="3108193" cy="3047997"/>
+          </a:xfrm>
+          <a:prstGeom prst="rect">
+            <a:avLst/>
+          </a:prstGeom>
+        </p:spPr>
+        <p:txBody>
+          <a:bodyPr vert="horz" lIns="91440" tIns="45720" rIns="91440" bIns="45720" rtlCol="0">
+            <a:noAutofit/>
+          </a:bodyPr>
+          <a:lstStyle>
+            <a:lvl1pPr marL="0" indent="0" algn="l" defTabSz="914400" rtl="0" eaLnBrk="1" latinLnBrk="0" hangingPunct="1">
+              <a:lnSpc>
+                <a:spcPct val="120000"/>
+              </a:lnSpc>
+              <a:spcBef>
+                <a:spcPts val="1000"/>
+              </a:spcBef>
+              <a:spcAft>
+                <a:spcPts val="600"/>
+              </a:spcAft>
+              <a:buClr>
+                <a:schemeClr val="accent6"/>
+              </a:buClr>
+              <a:buFont typeface="Arial" panose="020B0604020202020204" pitchFamily="34" charset="0"/>
+              <a:buNone/>
+              <a:defRPr sz="1800" kern="1200" spc="0" baseline="0">
+                <a:solidFill>
+                  <a:schemeClr val="bg1"/>
+                </a:solidFill>
+                <a:latin typeface="+mn-lt"/>
+                <a:ea typeface="+mn-ea"/>
+                <a:cs typeface="Biome" panose="020B0503030204020804" pitchFamily="34" charset="0"/>
+              </a:defRPr>
+            </a:lvl1pPr>
+            <a:lvl2pPr marL="569214" indent="-285750" algn="l" defTabSz="914400" rtl="0" eaLnBrk="1" latinLnBrk="0" hangingPunct="1">
+              <a:lnSpc>
+                <a:spcPct val="120000"/>
+              </a:lnSpc>
+              <a:spcBef>
+                <a:spcPts val="1000"/>
+              </a:spcBef>
+              <a:spcAft>
+                <a:spcPts val="600"/>
+              </a:spcAft>
+              <a:buClr>
+                <a:schemeClr val="accent3"/>
+              </a:buClr>
+              <a:buFont typeface="Arial" panose="020B0604020202020204" pitchFamily="34" charset="0"/>
+              <a:buChar char="•"/>
+              <a:defRPr sz="1800" kern="1200" spc="0">
+                <a:solidFill>
+                  <a:schemeClr val="bg1"/>
+                </a:solidFill>
+                <a:latin typeface="+mn-lt"/>
+                <a:ea typeface="+mn-ea"/>
+                <a:cs typeface="+mn-cs"/>
+              </a:defRPr>
+            </a:lvl2pPr>
+            <a:lvl3pPr marL="861822" indent="-285750" algn="l" defTabSz="914400" rtl="0" eaLnBrk="1" latinLnBrk="0" hangingPunct="1">
+              <a:lnSpc>
+                <a:spcPct val="120000"/>
+              </a:lnSpc>
+              <a:spcBef>
+                <a:spcPts val="1000"/>
+              </a:spcBef>
+              <a:spcAft>
+                <a:spcPts val="600"/>
+              </a:spcAft>
+              <a:buClr>
+                <a:schemeClr val="accent3"/>
+              </a:buClr>
+              <a:buFont typeface="Arial" panose="020B0604020202020204" pitchFamily="34" charset="0"/>
+              <a:buChar char="•"/>
+              <a:defRPr sz="1800" kern="1200" spc="0">
+                <a:solidFill>
+                  <a:schemeClr val="bg1"/>
+                </a:solidFill>
+                <a:latin typeface="+mn-lt"/>
+                <a:ea typeface="+mn-ea"/>
+                <a:cs typeface="+mn-cs"/>
+              </a:defRPr>
+            </a:lvl3pPr>
+            <a:lvl4pPr marL="1152144" indent="-285750" algn="l" defTabSz="914400" rtl="0" eaLnBrk="1" latinLnBrk="0" hangingPunct="1">
+              <a:lnSpc>
+                <a:spcPct val="120000"/>
+              </a:lnSpc>
+              <a:spcBef>
+                <a:spcPts val="1000"/>
+              </a:spcBef>
+              <a:spcAft>
+                <a:spcPts val="600"/>
+              </a:spcAft>
+              <a:buClr>
+                <a:schemeClr val="accent3"/>
+              </a:buClr>
+              <a:buFont typeface="Arial" panose="020B0604020202020204" pitchFamily="34" charset="0"/>
+              <a:buChar char="•"/>
+              <a:defRPr sz="1800" kern="1200" spc="0">
+                <a:solidFill>
+                  <a:schemeClr val="bg1"/>
+                </a:solidFill>
+                <a:latin typeface="+mn-lt"/>
+                <a:ea typeface="+mn-ea"/>
+                <a:cs typeface="+mn-cs"/>
+              </a:defRPr>
+            </a:lvl4pPr>
+            <a:lvl5pPr marL="2114550" indent="-285750" algn="l" defTabSz="914400" rtl="0" eaLnBrk="1" latinLnBrk="0" hangingPunct="1">
+              <a:lnSpc>
+                <a:spcPct val="90000"/>
+              </a:lnSpc>
+              <a:spcBef>
+                <a:spcPts val="500"/>
+              </a:spcBef>
+              <a:buClr>
+                <a:schemeClr val="accent6"/>
+              </a:buClr>
+              <a:buFont typeface="Arial" panose="020B0604020202020204" pitchFamily="34" charset="0"/>
+              <a:buChar char="•"/>
+              <a:defRPr sz="1800" kern="1200">
+                <a:solidFill>
+                  <a:schemeClr val="bg1"/>
+                </a:solidFill>
+                <a:latin typeface="+mn-lt"/>
+                <a:ea typeface="+mn-ea"/>
+                <a:cs typeface="+mn-cs"/>
+              </a:defRPr>
+            </a:lvl5pPr>
+            <a:lvl6pPr marL="2514600" indent="-228600" algn="l" defTabSz="914400" rtl="0" eaLnBrk="1" latinLnBrk="0" hangingPunct="1">
+              <a:lnSpc>
+                <a:spcPct val="90000"/>
+              </a:lnSpc>
+              <a:spcBef>
+                <a:spcPts val="500"/>
+              </a:spcBef>
+              <a:buFont typeface="Arial" panose="020B0604020202020204" pitchFamily="34" charset="0"/>
+              <a:buChar char="•"/>
+              <a:defRPr sz="1800" kern="1200">
+                <a:solidFill>
+                  <a:schemeClr val="tx1"/>
+                </a:solidFill>
+                <a:latin typeface="+mn-lt"/>
+                <a:ea typeface="+mn-ea"/>
+                <a:cs typeface="+mn-cs"/>
+              </a:defRPr>
+            </a:lvl6pPr>
+            <a:lvl7pPr marL="2971800" indent="-228600" algn="l" defTabSz="914400" rtl="0" eaLnBrk="1" latinLnBrk="0" hangingPunct="1">
+              <a:lnSpc>
+                <a:spcPct val="90000"/>
+              </a:lnSpc>
+              <a:spcBef>
+                <a:spcPts val="500"/>
+              </a:spcBef>
+              <a:buFont typeface="Arial" panose="020B0604020202020204" pitchFamily="34" charset="0"/>
+              <a:buChar char="•"/>
+              <a:defRPr sz="1800" kern="1200">
+                <a:solidFill>
+                  <a:schemeClr val="tx1"/>
+                </a:solidFill>
+                <a:latin typeface="+mn-lt"/>
+                <a:ea typeface="+mn-ea"/>
+                <a:cs typeface="+mn-cs"/>
+              </a:defRPr>
+            </a:lvl7pPr>
+            <a:lvl8pPr marL="3429000" indent="-228600" algn="l" defTabSz="914400" rtl="0" eaLnBrk="1" latinLnBrk="0" hangingPunct="1">
+              <a:lnSpc>
+                <a:spcPct val="90000"/>
+              </a:lnSpc>
+              <a:spcBef>
+                <a:spcPts val="500"/>
+              </a:spcBef>
+              <a:buFont typeface="Arial" panose="020B0604020202020204" pitchFamily="34" charset="0"/>
+              <a:buChar char="•"/>
+              <a:defRPr sz="1800" kern="1200">
+                <a:solidFill>
+                  <a:schemeClr val="tx1"/>
+                </a:solidFill>
+                <a:latin typeface="+mn-lt"/>
+                <a:ea typeface="+mn-ea"/>
+                <a:cs typeface="+mn-cs"/>
+              </a:defRPr>
+            </a:lvl8pPr>
+            <a:lvl9pPr marL="3886200" indent="-228600" algn="l" defTabSz="914400" rtl="0" eaLnBrk="1" latinLnBrk="0" hangingPunct="1">
+              <a:lnSpc>
+                <a:spcPct val="90000"/>
+              </a:lnSpc>
+              <a:spcBef>
+                <a:spcPts val="500"/>
+              </a:spcBef>
+              <a:buFont typeface="Arial" panose="020B0604020202020204" pitchFamily="34" charset="0"/>
+              <a:buChar char="•"/>
+              <a:defRPr sz="1800" kern="1200">
+                <a:solidFill>
+                  <a:schemeClr val="tx1"/>
+                </a:solidFill>
+                <a:latin typeface="+mn-lt"/>
+                <a:ea typeface="+mn-ea"/>
+                <a:cs typeface="+mn-cs"/>
+              </a:defRPr>
+            </a:lvl9pPr>
+          </a:lstStyle>
+          <a:p>
+            <a:endParaRPr lang="en-US" dirty="0"/>
           </a:p>
         </p:txBody>
       </p:sp>
       <p:sp>
         <p:nvSpPr>
-          <p:cNvPr id="4" name="Subtitle 3">
+          <p:cNvPr id="13" name="Content Placeholder 3">
             <a:extLst>
               <a:ext uri="{FF2B5EF4-FFF2-40B4-BE49-F238E27FC236}">
-                <a16:creationId xmlns:a16="http://schemas.microsoft.com/office/drawing/2014/main" id="{260D053B-A40A-3228-B6D5-3371B9EE2E56}"/>
+                <a16:creationId xmlns:a16="http://schemas.microsoft.com/office/drawing/2014/main" id="{4D45BEF3-11A3-1DD7-2FBD-7AD7875B5DB0}"/>
               </a:ext>
             </a:extLst>
           </p:cNvPr>
-          <p:cNvSpPr>
-            <a:spLocks noGrp="1"/>
+          <p:cNvSpPr txBox="1">
+            <a:spLocks/>
           </p:cNvSpPr>
-          <p:nvPr>
-            <p:ph type="subTitle" idx="1"/>
-          </p:nvPr>
+          <p:nvPr/>
         </p:nvSpPr>
         <p:spPr>
           <a:xfrm>
-            <a:off x="321868" y="3484615"/>
-            <a:ext cx="11562303" cy="2387865"/>
+            <a:off x="333214" y="2917742"/>
+            <a:ext cx="4014061" cy="3047997"/>
           </a:xfrm>
+          <a:prstGeom prst="rect">
+            <a:avLst/>
+          </a:prstGeom>
         </p:spPr>
         <p:txBody>
-          <a:bodyPr/>
-          <a:lstStyle/>
-          <a:p>
+          <a:bodyPr vert="horz" lIns="91440" tIns="45720" rIns="91440" bIns="45720" rtlCol="0">
+            <a:noAutofit/>
+          </a:bodyPr>
+          <a:lstStyle>
+            <a:lvl1pPr marL="0" indent="0" algn="l" defTabSz="914400" rtl="0" eaLnBrk="1" latinLnBrk="0" hangingPunct="1">
+              <a:lnSpc>
+                <a:spcPct val="120000"/>
+              </a:lnSpc>
+              <a:spcBef>
+                <a:spcPts val="1000"/>
+              </a:spcBef>
+              <a:spcAft>
+                <a:spcPts val="600"/>
+              </a:spcAft>
+              <a:buClr>
+                <a:schemeClr val="accent6"/>
+              </a:buClr>
+              <a:buFont typeface="Arial" panose="020B0604020202020204" pitchFamily="34" charset="0"/>
+              <a:buNone/>
+              <a:defRPr sz="1800" kern="1200" spc="0" baseline="0">
+                <a:solidFill>
+                  <a:schemeClr val="bg1"/>
+                </a:solidFill>
+                <a:latin typeface="+mn-lt"/>
+                <a:ea typeface="+mn-ea"/>
+                <a:cs typeface="Biome" panose="020B0503030204020804" pitchFamily="34" charset="0"/>
+              </a:defRPr>
+            </a:lvl1pPr>
+            <a:lvl2pPr marL="569214" indent="-285750" algn="l" defTabSz="914400" rtl="0" eaLnBrk="1" latinLnBrk="0" hangingPunct="1">
+              <a:lnSpc>
+                <a:spcPct val="120000"/>
+              </a:lnSpc>
+              <a:spcBef>
+                <a:spcPts val="1000"/>
+              </a:spcBef>
+              <a:spcAft>
+                <a:spcPts val="600"/>
+              </a:spcAft>
+              <a:buClr>
+                <a:schemeClr val="accent3"/>
+              </a:buClr>
+              <a:buFont typeface="Arial" panose="020B0604020202020204" pitchFamily="34" charset="0"/>
+              <a:buChar char="•"/>
+              <a:defRPr sz="1800" kern="1200" spc="0">
+                <a:solidFill>
+                  <a:schemeClr val="bg1"/>
+                </a:solidFill>
+                <a:latin typeface="+mn-lt"/>
+                <a:ea typeface="+mn-ea"/>
+                <a:cs typeface="+mn-cs"/>
+              </a:defRPr>
+            </a:lvl2pPr>
+            <a:lvl3pPr marL="861822" indent="-285750" algn="l" defTabSz="914400" rtl="0" eaLnBrk="1" latinLnBrk="0" hangingPunct="1">
+              <a:lnSpc>
+                <a:spcPct val="120000"/>
+              </a:lnSpc>
+              <a:spcBef>
+                <a:spcPts val="1000"/>
+              </a:spcBef>
+              <a:spcAft>
+                <a:spcPts val="600"/>
+              </a:spcAft>
+              <a:buClr>
+                <a:schemeClr val="accent3"/>
+              </a:buClr>
+              <a:buFont typeface="Arial" panose="020B0604020202020204" pitchFamily="34" charset="0"/>
+              <a:buChar char="•"/>
+              <a:defRPr sz="1800" kern="1200" spc="0">
+                <a:solidFill>
+                  <a:schemeClr val="bg1"/>
+                </a:solidFill>
+                <a:latin typeface="+mn-lt"/>
+                <a:ea typeface="+mn-ea"/>
+                <a:cs typeface="+mn-cs"/>
+              </a:defRPr>
+            </a:lvl3pPr>
+            <a:lvl4pPr marL="1152144" indent="-285750" algn="l" defTabSz="914400" rtl="0" eaLnBrk="1" latinLnBrk="0" hangingPunct="1">
+              <a:lnSpc>
+                <a:spcPct val="120000"/>
+              </a:lnSpc>
+              <a:spcBef>
+                <a:spcPts val="1000"/>
+              </a:spcBef>
+              <a:spcAft>
+                <a:spcPts val="600"/>
+              </a:spcAft>
+              <a:buClr>
+                <a:schemeClr val="accent3"/>
+              </a:buClr>
+              <a:buFont typeface="Arial" panose="020B0604020202020204" pitchFamily="34" charset="0"/>
+              <a:buChar char="•"/>
+              <a:defRPr sz="1800" kern="1200" spc="0">
+                <a:solidFill>
+                  <a:schemeClr val="bg1"/>
+                </a:solidFill>
+                <a:latin typeface="+mn-lt"/>
+                <a:ea typeface="+mn-ea"/>
+                <a:cs typeface="+mn-cs"/>
+              </a:defRPr>
+            </a:lvl4pPr>
+            <a:lvl5pPr marL="2114550" indent="-285750" algn="l" defTabSz="914400" rtl="0" eaLnBrk="1" latinLnBrk="0" hangingPunct="1">
+              <a:lnSpc>
+                <a:spcPct val="90000"/>
+              </a:lnSpc>
+              <a:spcBef>
+                <a:spcPts val="500"/>
+              </a:spcBef>
+              <a:buClr>
+                <a:schemeClr val="accent6"/>
+              </a:buClr>
+              <a:buFont typeface="Arial" panose="020B0604020202020204" pitchFamily="34" charset="0"/>
+              <a:buChar char="•"/>
+              <a:defRPr sz="1800" kern="1200">
+                <a:solidFill>
+                  <a:schemeClr val="bg1"/>
+                </a:solidFill>
+                <a:latin typeface="+mn-lt"/>
+                <a:ea typeface="+mn-ea"/>
+                <a:cs typeface="+mn-cs"/>
+              </a:defRPr>
+            </a:lvl5pPr>
+            <a:lvl6pPr marL="2514600" indent="-228600" algn="l" defTabSz="914400" rtl="0" eaLnBrk="1" latinLnBrk="0" hangingPunct="1">
+              <a:lnSpc>
+                <a:spcPct val="90000"/>
+              </a:lnSpc>
+              <a:spcBef>
+                <a:spcPts val="500"/>
+              </a:spcBef>
+              <a:buFont typeface="Arial" panose="020B0604020202020204" pitchFamily="34" charset="0"/>
+              <a:buChar char="•"/>
+              <a:defRPr sz="1800" kern="1200">
+                <a:solidFill>
+                  <a:schemeClr val="tx1"/>
+                </a:solidFill>
+                <a:latin typeface="+mn-lt"/>
+                <a:ea typeface="+mn-ea"/>
+                <a:cs typeface="+mn-cs"/>
+              </a:defRPr>
+            </a:lvl6pPr>
+            <a:lvl7pPr marL="2971800" indent="-228600" algn="l" defTabSz="914400" rtl="0" eaLnBrk="1" latinLnBrk="0" hangingPunct="1">
+              <a:lnSpc>
+                <a:spcPct val="90000"/>
+              </a:lnSpc>
+              <a:spcBef>
+                <a:spcPts val="500"/>
+              </a:spcBef>
+              <a:buFont typeface="Arial" panose="020B0604020202020204" pitchFamily="34" charset="0"/>
+              <a:buChar char="•"/>
+              <a:defRPr sz="1800" kern="1200">
+                <a:solidFill>
+                  <a:schemeClr val="tx1"/>
+                </a:solidFill>
+                <a:latin typeface="+mn-lt"/>
+                <a:ea typeface="+mn-ea"/>
+                <a:cs typeface="+mn-cs"/>
+              </a:defRPr>
+            </a:lvl7pPr>
+            <a:lvl8pPr marL="3429000" indent="-228600" algn="l" defTabSz="914400" rtl="0" eaLnBrk="1" latinLnBrk="0" hangingPunct="1">
+              <a:lnSpc>
+                <a:spcPct val="90000"/>
+              </a:lnSpc>
+              <a:spcBef>
+                <a:spcPts val="500"/>
+              </a:spcBef>
+              <a:buFont typeface="Arial" panose="020B0604020202020204" pitchFamily="34" charset="0"/>
+              <a:buChar char="•"/>
+              <a:defRPr sz="1800" kern="1200">
+                <a:solidFill>
+                  <a:schemeClr val="tx1"/>
+                </a:solidFill>
+                <a:latin typeface="+mn-lt"/>
+                <a:ea typeface="+mn-ea"/>
+                <a:cs typeface="+mn-cs"/>
+              </a:defRPr>
+            </a:lvl8pPr>
+            <a:lvl9pPr marL="3886200" indent="-228600" algn="l" defTabSz="914400" rtl="0" eaLnBrk="1" latinLnBrk="0" hangingPunct="1">
+              <a:lnSpc>
+                <a:spcPct val="90000"/>
+              </a:lnSpc>
+              <a:spcBef>
+                <a:spcPts val="500"/>
+              </a:spcBef>
+              <a:buFont typeface="Arial" panose="020B0604020202020204" pitchFamily="34" charset="0"/>
+              <a:buChar char="•"/>
+              <a:defRPr sz="1800" kern="1200">
+                <a:solidFill>
+                  <a:schemeClr val="tx1"/>
+                </a:solidFill>
+                <a:latin typeface="+mn-lt"/>
+                <a:ea typeface="+mn-ea"/>
+                <a:cs typeface="+mn-cs"/>
+              </a:defRPr>
+            </a:lvl9pPr>
+          </a:lstStyle>
+          <a:p>
+            <a:pPr marL="285750" indent="-285750">
+              <a:buFont typeface="Arial" panose="020B0604020202020204" pitchFamily="34" charset="0"/>
+              <a:buChar char="•"/>
+            </a:pPr>
             <a:r>
-              <a:rPr lang="en-US" dirty="0"/>
-              <a:t>Service Categories</a:t>
+              <a:rPr lang="en-US" b="0" dirty="0">
+                <a:solidFill>
+                  <a:srgbClr val="CCCCCC"/>
+                </a:solidFill>
+                <a:effectLst/>
+                <a:latin typeface="Consolas" panose="020B0609020204030204" pitchFamily="49" charset="0"/>
+              </a:rPr>
+              <a:t>The is a large gap </a:t>
             </a:r>
+            <a:r>
+              <a:rPr lang="en-US" dirty="0">
+                <a:solidFill>
+                  <a:srgbClr val="CCCCCC"/>
+                </a:solidFill>
+                <a:latin typeface="Consolas" panose="020B0609020204030204" pitchFamily="49" charset="0"/>
+              </a:rPr>
+              <a:t>in spending </a:t>
+            </a:r>
+            <a:r>
+              <a:rPr lang="en-US" b="0" dirty="0">
+                <a:solidFill>
+                  <a:srgbClr val="CCCCCC"/>
+                </a:solidFill>
+                <a:effectLst/>
+                <a:latin typeface="Consolas" panose="020B0609020204030204" pitchFamily="49" charset="0"/>
+              </a:rPr>
+              <a:t>between the top three age groups and the lowest two in spending for females</a:t>
+            </a:r>
+          </a:p>
+          <a:p>
+            <a:pPr marL="285750" indent="-285750">
+              <a:buFont typeface="Arial" panose="020B0604020202020204" pitchFamily="34" charset="0"/>
+              <a:buChar char="•"/>
+            </a:pPr>
+            <a:r>
+              <a:rPr lang="en-US" dirty="0">
+                <a:solidFill>
+                  <a:srgbClr val="CCCCCC"/>
+                </a:solidFill>
+                <a:latin typeface="Consolas" panose="020B0609020204030204" pitchFamily="49" charset="0"/>
+              </a:rPr>
+              <a:t>Spending for males by age group is consistently spaced.</a:t>
+            </a:r>
+          </a:p>
+          <a:p>
+            <a:pPr marL="285750" indent="-285750">
+              <a:buFont typeface="Arial" panose="020B0604020202020204" pitchFamily="34" charset="0"/>
+              <a:buChar char="•"/>
+            </a:pPr>
+            <a:r>
+              <a:rPr lang="en-US" b="0" dirty="0">
+                <a:solidFill>
+                  <a:srgbClr val="CCCCCC"/>
+                </a:solidFill>
+                <a:effectLst/>
+                <a:latin typeface="Consolas" panose="020B0609020204030204" pitchFamily="49" charset="0"/>
+              </a:rPr>
+              <a:t>The male 65-84 </a:t>
+            </a:r>
+            <a:r>
+              <a:rPr lang="en-US" dirty="0">
+                <a:solidFill>
+                  <a:srgbClr val="CCCCCC"/>
+                </a:solidFill>
+                <a:latin typeface="Consolas" panose="020B0609020204030204" pitchFamily="49" charset="0"/>
+              </a:rPr>
+              <a:t>age group spiked in 2020.</a:t>
+            </a:r>
+            <a:endParaRPr lang="en-US" b="0" dirty="0">
+              <a:solidFill>
+                <a:srgbClr val="CCCCCC"/>
+              </a:solidFill>
+              <a:effectLst/>
+              <a:latin typeface="Consolas" panose="020B0609020204030204" pitchFamily="49" charset="0"/>
+            </a:endParaRPr>
           </a:p>
         </p:txBody>
       </p:sp>
-      <p:sp>
-        <p:nvSpPr>
-          <p:cNvPr id="3" name="Slide Number Placeholder 2">
+      <p:pic>
+        <p:nvPicPr>
+          <p:cNvPr id="15" name="Graphic 14" descr="Wine outline">
             <a:extLst>
               <a:ext uri="{FF2B5EF4-FFF2-40B4-BE49-F238E27FC236}">
-                <a16:creationId xmlns:a16="http://schemas.microsoft.com/office/drawing/2014/main" id="{A6A971A9-0C5C-DDFC-67F9-2E5A55F12F67}"/>
+                <a16:creationId xmlns:a16="http://schemas.microsoft.com/office/drawing/2014/main" id="{86347072-678B-C6F3-9659-4E6B48266E03}"/>
               </a:ext>
             </a:extLst>
           </p:cNvPr>
-          <p:cNvSpPr>
-            <a:spLocks noGrp="1"/>
-          </p:cNvSpPr>
-          <p:nvPr>
-            <p:ph type="sldNum" sz="quarter" idx="12"/>
-          </p:nvPr>
-        </p:nvSpPr>
+          <p:cNvPicPr>
+            <a:picLocks noChangeAspect="1"/>
+          </p:cNvPicPr>
+          <p:nvPr/>
+        </p:nvPicPr>
+        <p:blipFill>
+          <a:blip r:embed="rId5">
+            <a:extLst>
+              <a:ext uri="{96DAC541-7B7A-43D3-8B79-37D633B846F1}">
+                <asvg:svgBlip xmlns:asvg="http://schemas.microsoft.com/office/drawing/2016/SVG/main" r:embed="rId6"/>
+              </a:ext>
+            </a:extLst>
+          </a:blip>
+          <a:stretch>
+            <a:fillRect/>
+          </a:stretch>
+        </p:blipFill>
         <p:spPr>
           <a:xfrm>
-            <a:off x="9140971" y="6226198"/>
-            <a:ext cx="2743200" cy="365125"/>
+            <a:off x="11616613" y="6228369"/>
+            <a:ext cx="629631" cy="629631"/>
           </a:xfrm>
+          <a:prstGeom prst="rect">
+            <a:avLst/>
+          </a:prstGeom>
         </p:spPr>
-        <p:txBody>
-          <a:bodyPr/>
-          <a:lstStyle/>
-          <a:p>
-            <a:fld id="{FE024F78-56A6-7740-B68D-8D4D026EDF3F}" type="slidenum">
-              <a:rPr lang="en-US" smtClean="0"/>
-              <a:pPr/>
-              <a:t>5</a:t>
-            </a:fld>
-            <a:endParaRPr lang="en-US" dirty="0"/>
-          </a:p>
-        </p:txBody>
-      </p:sp>
+      </p:pic>
     </p:spTree>
     <p:extLst>
       <p:ext uri="{BB962C8B-B14F-4D97-AF65-F5344CB8AC3E}">
-        <p14:creationId xmlns:p14="http://schemas.microsoft.com/office/powerpoint/2010/main" val="3600580814"/>
+        <p14:creationId xmlns:p14="http://schemas.microsoft.com/office/powerpoint/2010/main" val="2265579874"/>
       </p:ext>
     </p:extLst>
   </p:cSld>
@@ -11130,10 +13878,10 @@
       </p:grpSpPr>
       <p:sp>
         <p:nvSpPr>
-          <p:cNvPr id="3" name="Title 2">
+          <p:cNvPr id="2" name="Title 1">
             <a:extLst>
               <a:ext uri="{FF2B5EF4-FFF2-40B4-BE49-F238E27FC236}">
-                <a16:creationId xmlns:a16="http://schemas.microsoft.com/office/drawing/2014/main" id="{06DE3104-398C-EF95-D86E-630F512487F9}"/>
+                <a16:creationId xmlns:a16="http://schemas.microsoft.com/office/drawing/2014/main" id="{E117F7C5-CBA2-9823-0CBA-5BD773998046}"/>
               </a:ext>
             </a:extLst>
           </p:cNvPr>
@@ -11146,8 +13894,8 @@
         </p:nvSpPr>
         <p:spPr>
           <a:xfrm>
-            <a:off x="835370" y="171396"/>
-            <a:ext cx="3736630" cy="2202350"/>
+            <a:off x="321869" y="579120"/>
+            <a:ext cx="11548261" cy="2733306"/>
           </a:xfrm>
         </p:spPr>
         <p:txBody>
@@ -11156,17 +13904,17 @@
           <a:p>
             <a:r>
               <a:rPr lang="en-US" dirty="0"/>
-              <a:t>Service Categories</a:t>
+              <a:t>Total spending</a:t>
             </a:r>
           </a:p>
         </p:txBody>
       </p:sp>
       <p:sp>
         <p:nvSpPr>
-          <p:cNvPr id="4" name="Content Placeholder 3">
+          <p:cNvPr id="4" name="Subtitle 3">
             <a:extLst>
               <a:ext uri="{FF2B5EF4-FFF2-40B4-BE49-F238E27FC236}">
-                <a16:creationId xmlns:a16="http://schemas.microsoft.com/office/drawing/2014/main" id="{67328E6B-D306-C2F9-54E9-FD35599AC24B}"/>
+                <a16:creationId xmlns:a16="http://schemas.microsoft.com/office/drawing/2014/main" id="{260D053B-A40A-3228-B6D5-3371B9EE2E56}"/>
               </a:ext>
             </a:extLst>
           </p:cNvPr>
@@ -11174,13 +13922,13 @@
             <a:spLocks noGrp="1"/>
           </p:cNvSpPr>
           <p:nvPr>
-            <p:ph sz="quarter" idx="36"/>
+            <p:ph type="subTitle" idx="1"/>
           </p:nvPr>
         </p:nvSpPr>
         <p:spPr>
           <a:xfrm>
-            <a:off x="841716" y="3078480"/>
-            <a:ext cx="3108193" cy="3047997"/>
+            <a:off x="321868" y="3484615"/>
+            <a:ext cx="11562303" cy="2387865"/>
           </a:xfrm>
         </p:spPr>
         <p:txBody>
@@ -11189,17 +13937,17 @@
           <a:p>
             <a:r>
               <a:rPr lang="en-US" dirty="0"/>
-              <a:t>XXXX</a:t>
+              <a:t>Service Categories</a:t>
             </a:r>
           </a:p>
         </p:txBody>
       </p:sp>
       <p:sp>
         <p:nvSpPr>
-          <p:cNvPr id="6" name="Table Placeholder 5">
+          <p:cNvPr id="3" name="Slide Number Placeholder 2">
             <a:extLst>
               <a:ext uri="{FF2B5EF4-FFF2-40B4-BE49-F238E27FC236}">
-                <a16:creationId xmlns:a16="http://schemas.microsoft.com/office/drawing/2014/main" id="{639F5FAA-EA20-7F30-E01A-BB0BB03A9C12}"/>
+                <a16:creationId xmlns:a16="http://schemas.microsoft.com/office/drawing/2014/main" id="{A6A971A9-0C5C-DDFC-67F9-2E5A55F12F67}"/>
               </a:ext>
             </a:extLst>
           </p:cNvPr>
@@ -11207,22 +13955,32 @@
             <a:spLocks noGrp="1"/>
           </p:cNvSpPr>
           <p:nvPr>
-            <p:ph type="tbl" sz="quarter" idx="37"/>
+            <p:ph type="sldNum" sz="quarter" idx="12"/>
           </p:nvPr>
         </p:nvSpPr>
-        <p:spPr/>
+        <p:spPr>
+          <a:xfrm>
+            <a:off x="9140971" y="6226198"/>
+            <a:ext cx="2743200" cy="365125"/>
+          </a:xfrm>
+        </p:spPr>
         <p:txBody>
           <a:bodyPr/>
           <a:lstStyle/>
           <a:p>
-            <a:endParaRPr lang="en-US"/>
+            <a:fld id="{FE024F78-56A6-7740-B68D-8D4D026EDF3F}" type="slidenum">
+              <a:rPr lang="en-US" smtClean="0"/>
+              <a:pPr/>
+              <a:t>6</a:t>
+            </a:fld>
+            <a:endParaRPr lang="en-US" dirty="0"/>
           </a:p>
         </p:txBody>
       </p:sp>
     </p:spTree>
     <p:extLst>
       <p:ext uri="{BB962C8B-B14F-4D97-AF65-F5344CB8AC3E}">
-        <p14:creationId xmlns:p14="http://schemas.microsoft.com/office/powerpoint/2010/main" val="3482121309"/>
+        <p14:creationId xmlns:p14="http://schemas.microsoft.com/office/powerpoint/2010/main" val="3600580814"/>
       </p:ext>
     </p:extLst>
   </p:cSld>
@@ -11251,10 +14009,10 @@
       </p:grpSpPr>
       <p:sp>
         <p:nvSpPr>
-          <p:cNvPr id="2" name="Title 1">
+          <p:cNvPr id="3" name="Title 2">
             <a:extLst>
               <a:ext uri="{FF2B5EF4-FFF2-40B4-BE49-F238E27FC236}">
-                <a16:creationId xmlns:a16="http://schemas.microsoft.com/office/drawing/2014/main" id="{E117F7C5-CBA2-9823-0CBA-5BD773998046}"/>
+                <a16:creationId xmlns:a16="http://schemas.microsoft.com/office/drawing/2014/main" id="{06DE3104-398C-EF95-D86E-630F512487F9}"/>
               </a:ext>
             </a:extLst>
           </p:cNvPr>
@@ -11267,8 +14025,8 @@
         </p:nvSpPr>
         <p:spPr>
           <a:xfrm>
-            <a:off x="321869" y="579120"/>
-            <a:ext cx="11548261" cy="2733306"/>
+            <a:off x="835370" y="171396"/>
+            <a:ext cx="3736630" cy="2202350"/>
           </a:xfrm>
         </p:spPr>
         <p:txBody>
@@ -11277,17 +14035,17 @@
           <a:p>
             <a:r>
               <a:rPr lang="en-US" dirty="0"/>
-              <a:t>Total spending</a:t>
+              <a:t>Service Categories</a:t>
             </a:r>
           </a:p>
         </p:txBody>
       </p:sp>
       <p:sp>
         <p:nvSpPr>
-          <p:cNvPr id="4" name="Subtitle 3">
+          <p:cNvPr id="4" name="Content Placeholder 3">
             <a:extLst>
               <a:ext uri="{FF2B5EF4-FFF2-40B4-BE49-F238E27FC236}">
-                <a16:creationId xmlns:a16="http://schemas.microsoft.com/office/drawing/2014/main" id="{260D053B-A40A-3228-B6D5-3371B9EE2E56}"/>
+                <a16:creationId xmlns:a16="http://schemas.microsoft.com/office/drawing/2014/main" id="{67328E6B-D306-C2F9-54E9-FD35599AC24B}"/>
               </a:ext>
             </a:extLst>
           </p:cNvPr>
@@ -11295,13 +14053,13 @@
             <a:spLocks noGrp="1"/>
           </p:cNvSpPr>
           <p:nvPr>
-            <p:ph type="subTitle" idx="1"/>
+            <p:ph sz="quarter" idx="36"/>
           </p:nvPr>
         </p:nvSpPr>
         <p:spPr>
           <a:xfrm>
-            <a:off x="321868" y="3484615"/>
-            <a:ext cx="11562303" cy="2387865"/>
+            <a:off x="419100" y="3078480"/>
+            <a:ext cx="3873931" cy="3047997"/>
           </a:xfrm>
         </p:spPr>
         <p:txBody>
@@ -11310,50 +14068,92 @@
           <a:p>
             <a:r>
               <a:rPr lang="en-US" dirty="0"/>
-              <a:t>Regression Plotting</a:t>
+              <a:t>XXXX</a:t>
             </a:r>
           </a:p>
         </p:txBody>
       </p:sp>
-      <p:sp>
-        <p:nvSpPr>
-          <p:cNvPr id="3" name="Slide Number Placeholder 2">
+      <p:pic>
+        <p:nvPicPr>
+          <p:cNvPr id="1026" name="Picture 2">
             <a:extLst>
               <a:ext uri="{FF2B5EF4-FFF2-40B4-BE49-F238E27FC236}">
-                <a16:creationId xmlns:a16="http://schemas.microsoft.com/office/drawing/2014/main" id="{A6A971A9-0C5C-DDFC-67F9-2E5A55F12F67}"/>
+                <a16:creationId xmlns:a16="http://schemas.microsoft.com/office/drawing/2014/main" id="{12C31238-7308-EAD5-A645-04C83C4B4D30}"/>
               </a:ext>
             </a:extLst>
           </p:cNvPr>
-          <p:cNvSpPr>
-            <a:spLocks noGrp="1"/>
-          </p:cNvSpPr>
-          <p:nvPr>
-            <p:ph type="sldNum" sz="quarter" idx="12"/>
-          </p:nvPr>
-        </p:nvSpPr>
+          <p:cNvPicPr>
+            <a:picLocks noChangeAspect="1" noChangeArrowheads="1"/>
+          </p:cNvPicPr>
+          <p:nvPr/>
+        </p:nvPicPr>
+        <p:blipFill>
+          <a:blip r:embed="rId3">
+            <a:extLst>
+              <a:ext uri="{28A0092B-C50C-407E-A947-70E740481C1C}">
+                <a14:useLocalDpi xmlns:a14="http://schemas.microsoft.com/office/drawing/2010/main" val="0"/>
+              </a:ext>
+            </a:extLst>
+          </a:blip>
+          <a:srcRect/>
+          <a:stretch>
+            <a:fillRect/>
+          </a:stretch>
+        </p:blipFill>
+        <p:spPr bwMode="auto">
+          <a:xfrm>
+            <a:off x="6022631" y="171396"/>
+            <a:ext cx="5333999" cy="3200400"/>
+          </a:xfrm>
+          <a:prstGeom prst="rect">
+            <a:avLst/>
+          </a:prstGeom>
+          <a:noFill/>
+          <a:extLst>
+            <a:ext uri="{909E8E84-426E-40DD-AFC4-6F175D3DCCD1}">
+              <a14:hiddenFill xmlns:a14="http://schemas.microsoft.com/office/drawing/2010/main">
+                <a:solidFill>
+                  <a:srgbClr val="FFFFFF"/>
+                </a:solidFill>
+              </a14:hiddenFill>
+            </a:ext>
+          </a:extLst>
+        </p:spPr>
+      </p:pic>
+      <p:pic>
+        <p:nvPicPr>
+          <p:cNvPr id="6" name="Picture 5">
+            <a:extLst>
+              <a:ext uri="{FF2B5EF4-FFF2-40B4-BE49-F238E27FC236}">
+                <a16:creationId xmlns:a16="http://schemas.microsoft.com/office/drawing/2014/main" id="{27372E79-74AE-9FE8-79E1-0D60F8B14091}"/>
+              </a:ext>
+            </a:extLst>
+          </p:cNvPr>
+          <p:cNvPicPr>
+            <a:picLocks noChangeAspect="1"/>
+          </p:cNvPicPr>
+          <p:nvPr/>
+        </p:nvPicPr>
+        <p:blipFill>
+          <a:blip r:embed="rId4"/>
+          <a:stretch>
+            <a:fillRect/>
+          </a:stretch>
+        </p:blipFill>
         <p:spPr>
           <a:xfrm>
-            <a:off x="9140971" y="6226198"/>
-            <a:ext cx="2743200" cy="365125"/>
+            <a:off x="5206574" y="3527386"/>
+            <a:ext cx="6729945" cy="3200400"/>
           </a:xfrm>
+          <a:prstGeom prst="rect">
+            <a:avLst/>
+          </a:prstGeom>
         </p:spPr>
-        <p:txBody>
-          <a:bodyPr/>
-          <a:lstStyle/>
-          <a:p>
-            <a:fld id="{FE024F78-56A6-7740-B68D-8D4D026EDF3F}" type="slidenum">
-              <a:rPr lang="en-US" smtClean="0"/>
-              <a:pPr/>
-              <a:t>7</a:t>
-            </a:fld>
-            <a:endParaRPr lang="en-US" dirty="0"/>
-          </a:p>
-        </p:txBody>
-      </p:sp>
+      </p:pic>
     </p:spTree>
     <p:extLst>
       <p:ext uri="{BB962C8B-B14F-4D97-AF65-F5344CB8AC3E}">
-        <p14:creationId xmlns:p14="http://schemas.microsoft.com/office/powerpoint/2010/main" val="3672981750"/>
+        <p14:creationId xmlns:p14="http://schemas.microsoft.com/office/powerpoint/2010/main" val="3482121309"/>
       </p:ext>
     </p:extLst>
   </p:cSld>
@@ -11408,7 +14208,7 @@
           <a:p>
             <a:r>
               <a:rPr lang="en-US" dirty="0"/>
-              <a:t>Regression Plotting</a:t>
+              <a:t>Service Categories</a:t>
             </a:r>
           </a:p>
         </p:txBody>
@@ -11431,8 +14231,8 @@
         </p:nvSpPr>
         <p:spPr>
           <a:xfrm>
-            <a:off x="841716" y="3078480"/>
-            <a:ext cx="3108193" cy="3047997"/>
+            <a:off x="419100" y="3078480"/>
+            <a:ext cx="3873931" cy="3047997"/>
           </a:xfrm>
         </p:spPr>
         <p:txBody>
@@ -11446,28 +14246,104 @@
           </a:p>
         </p:txBody>
       </p:sp>
-      <p:sp>
-        <p:nvSpPr>
-          <p:cNvPr id="6" name="Table Placeholder 5">
+      <p:pic>
+        <p:nvPicPr>
+          <p:cNvPr id="1030" name="Picture 6">
             <a:extLst>
               <a:ext uri="{FF2B5EF4-FFF2-40B4-BE49-F238E27FC236}">
-                <a16:creationId xmlns:a16="http://schemas.microsoft.com/office/drawing/2014/main" id="{B5C257D3-D4F4-B857-C681-63C282E3BFB2}"/>
+                <a16:creationId xmlns:a16="http://schemas.microsoft.com/office/drawing/2014/main" id="{5F39D23B-DAFE-4F9E-EEA2-C3295525EC2F}"/>
               </a:ext>
             </a:extLst>
           </p:cNvPr>
-          <p:cNvSpPr>
-            <a:spLocks noGrp="1"/>
-          </p:cNvSpPr>
-          <p:nvPr>
-            <p:ph type="tbl" sz="quarter" idx="37"/>
-          </p:nvPr>
-        </p:nvSpPr>
-        <p:spPr/>
-      </p:sp>
+          <p:cNvPicPr>
+            <a:picLocks noChangeAspect="1" noChangeArrowheads="1"/>
+          </p:cNvPicPr>
+          <p:nvPr/>
+        </p:nvPicPr>
+        <p:blipFill>
+          <a:blip r:embed="rId3">
+            <a:extLst>
+              <a:ext uri="{28A0092B-C50C-407E-A947-70E740481C1C}">
+                <a14:useLocalDpi xmlns:a14="http://schemas.microsoft.com/office/drawing/2010/main" val="0"/>
+              </a:ext>
+            </a:extLst>
+          </a:blip>
+          <a:srcRect/>
+          <a:stretch>
+            <a:fillRect/>
+          </a:stretch>
+        </p:blipFill>
+        <p:spPr bwMode="auto">
+          <a:xfrm>
+            <a:off x="6022630" y="3560736"/>
+            <a:ext cx="5334000" cy="3200400"/>
+          </a:xfrm>
+          <a:prstGeom prst="rect">
+            <a:avLst/>
+          </a:prstGeom>
+          <a:noFill/>
+          <a:extLst>
+            <a:ext uri="{909E8E84-426E-40DD-AFC4-6F175D3DCCD1}">
+              <a14:hiddenFill xmlns:a14="http://schemas.microsoft.com/office/drawing/2010/main">
+                <a:solidFill>
+                  <a:srgbClr val="FFFFFF"/>
+                </a:solidFill>
+              </a14:hiddenFill>
+            </a:ext>
+          </a:extLst>
+        </p:spPr>
+      </p:pic>
+      <p:pic>
+        <p:nvPicPr>
+          <p:cNvPr id="2" name="Picture 8">
+            <a:extLst>
+              <a:ext uri="{FF2B5EF4-FFF2-40B4-BE49-F238E27FC236}">
+                <a16:creationId xmlns:a16="http://schemas.microsoft.com/office/drawing/2014/main" id="{ED0A7767-5A6B-1672-3BB1-3170F549FD03}"/>
+              </a:ext>
+            </a:extLst>
+          </p:cNvPr>
+          <p:cNvPicPr>
+            <a:picLocks noChangeAspect="1" noChangeArrowheads="1"/>
+          </p:cNvPicPr>
+          <p:nvPr/>
+        </p:nvPicPr>
+        <p:blipFill>
+          <a:blip r:embed="rId4">
+            <a:extLst>
+              <a:ext uri="{28A0092B-C50C-407E-A947-70E740481C1C}">
+                <a14:useLocalDpi xmlns:a14="http://schemas.microsoft.com/office/drawing/2010/main" val="0"/>
+              </a:ext>
+            </a:extLst>
+          </a:blip>
+          <a:srcRect/>
+          <a:stretch>
+            <a:fillRect/>
+          </a:stretch>
+        </p:blipFill>
+        <p:spPr bwMode="auto">
+          <a:xfrm>
+            <a:off x="6022630" y="96864"/>
+            <a:ext cx="5334000" cy="3200400"/>
+          </a:xfrm>
+          <a:prstGeom prst="rect">
+            <a:avLst/>
+          </a:prstGeom>
+          <a:noFill/>
+          <a:extLst>
+            <a:ext uri="{909E8E84-426E-40DD-AFC4-6F175D3DCCD1}">
+              <a14:hiddenFill xmlns:a14="http://schemas.microsoft.com/office/drawing/2010/main">
+                <a:solidFill>
+                  <a:srgbClr val="FFFFFF"/>
+                </a:solidFill>
+              </a14:hiddenFill>
+            </a:ext>
+          </a:extLst>
+        </p:spPr>
+      </p:pic>
     </p:spTree>
     <p:extLst>
       <p:ext uri="{BB962C8B-B14F-4D97-AF65-F5344CB8AC3E}">
-        <p14:creationId xmlns:p14="http://schemas.microsoft.com/office/powerpoint/2010/main" val="870782436"/>
+        <p14:creationId xmlns:p14="http://schemas.microsoft.com/office/powerpoint/2010/main" val="303793522"/>
       </p:ext>
     </p:extLst>
   </p:cSld>
@@ -11496,10 +14372,10 @@
       </p:grpSpPr>
       <p:sp>
         <p:nvSpPr>
-          <p:cNvPr id="2" name="Title 1">
+          <p:cNvPr id="3" name="Title 2">
             <a:extLst>
               <a:ext uri="{FF2B5EF4-FFF2-40B4-BE49-F238E27FC236}">
-                <a16:creationId xmlns:a16="http://schemas.microsoft.com/office/drawing/2014/main" id="{A2DE810E-8E37-1D8A-245B-020E4E4C0B9F}"/>
+                <a16:creationId xmlns:a16="http://schemas.microsoft.com/office/drawing/2014/main" id="{06DE3104-398C-EF95-D86E-630F512487F9}"/>
               </a:ext>
             </a:extLst>
           </p:cNvPr>
@@ -11512,8 +14388,8 @@
         </p:nvSpPr>
         <p:spPr>
           <a:xfrm>
-            <a:off x="733562" y="433906"/>
-            <a:ext cx="10515601" cy="1327464"/>
+            <a:off x="835370" y="171396"/>
+            <a:ext cx="3736630" cy="2202350"/>
           </a:xfrm>
         </p:spPr>
         <p:txBody>
@@ -11522,17 +14398,17 @@
           <a:p>
             <a:r>
               <a:rPr lang="en-US" dirty="0"/>
-              <a:t>FINAL TAKEAWAYS</a:t>
+              <a:t>Service Categories</a:t>
             </a:r>
           </a:p>
         </p:txBody>
       </p:sp>
       <p:sp>
         <p:nvSpPr>
-          <p:cNvPr id="3" name="Content Placeholder 2">
+          <p:cNvPr id="4" name="Content Placeholder 3">
             <a:extLst>
               <a:ext uri="{FF2B5EF4-FFF2-40B4-BE49-F238E27FC236}">
-                <a16:creationId xmlns:a16="http://schemas.microsoft.com/office/drawing/2014/main" id="{7D7CECA3-144C-CD4B-9246-81B4F2E65466}"/>
+                <a16:creationId xmlns:a16="http://schemas.microsoft.com/office/drawing/2014/main" id="{67328E6B-D306-C2F9-54E9-FD35599AC24B}"/>
               </a:ext>
             </a:extLst>
           </p:cNvPr>
@@ -11545,87 +14421,119 @@
         </p:nvSpPr>
         <p:spPr>
           <a:xfrm>
-            <a:off x="814302" y="2465535"/>
-            <a:ext cx="7303538" cy="3427265"/>
+            <a:off x="419100" y="3078480"/>
+            <a:ext cx="3873931" cy="3047997"/>
           </a:xfrm>
         </p:spPr>
         <p:txBody>
           <a:bodyPr/>
           <a:lstStyle/>
           <a:p>
-            <a:endParaRPr lang="en-US" dirty="0"/>
+            <a:r>
+              <a:rPr lang="en-US" dirty="0"/>
+              <a:t>XXXX</a:t>
+            </a:r>
           </a:p>
         </p:txBody>
       </p:sp>
-      <p:sp>
-        <p:nvSpPr>
-          <p:cNvPr id="5" name="Content Placeholder 4">
+      <p:pic>
+        <p:nvPicPr>
+          <p:cNvPr id="2050" name="Picture 2">
             <a:extLst>
               <a:ext uri="{FF2B5EF4-FFF2-40B4-BE49-F238E27FC236}">
-                <a16:creationId xmlns:a16="http://schemas.microsoft.com/office/drawing/2014/main" id="{A33D1544-95D3-8A05-6E1B-C08C307C55D4}"/>
+                <a16:creationId xmlns:a16="http://schemas.microsoft.com/office/drawing/2014/main" id="{BE557A51-87A1-F88E-E2BA-BBB45305938A}"/>
               </a:ext>
             </a:extLst>
           </p:cNvPr>
-          <p:cNvSpPr>
-            <a:spLocks noGrp="1"/>
-          </p:cNvSpPr>
-          <p:nvPr>
-            <p:ph sz="quarter" idx="37"/>
-          </p:nvPr>
-        </p:nvSpPr>
-        <p:spPr>
+          <p:cNvPicPr>
+            <a:picLocks noChangeAspect="1" noChangeArrowheads="1"/>
+          </p:cNvPicPr>
+          <p:nvPr/>
+        </p:nvPicPr>
+        <p:blipFill>
+          <a:blip r:embed="rId3">
+            <a:extLst>
+              <a:ext uri="{28A0092B-C50C-407E-A947-70E740481C1C}">
+                <a14:useLocalDpi xmlns:a14="http://schemas.microsoft.com/office/drawing/2010/main" val="0"/>
+              </a:ext>
+            </a:extLst>
+          </a:blip>
+          <a:srcRect/>
+          <a:stretch>
+            <a:fillRect/>
+          </a:stretch>
+        </p:blipFill>
+        <p:spPr bwMode="auto">
           <a:xfrm>
-            <a:off x="8392160" y="2465388"/>
-            <a:ext cx="2856865" cy="3427412"/>
+            <a:off x="5372100" y="197622"/>
+            <a:ext cx="6400800" cy="3200400"/>
           </a:xfrm>
+          <a:prstGeom prst="rect">
+            <a:avLst/>
+          </a:prstGeom>
+          <a:noFill/>
+          <a:extLst>
+            <a:ext uri="{909E8E84-426E-40DD-AFC4-6F175D3DCCD1}">
+              <a14:hiddenFill xmlns:a14="http://schemas.microsoft.com/office/drawing/2010/main">
+                <a:solidFill>
+                  <a:srgbClr val="FFFFFF"/>
+                </a:solidFill>
+              </a14:hiddenFill>
+            </a:ext>
+          </a:extLst>
         </p:spPr>
-        <p:txBody>
-          <a:bodyPr/>
-          <a:lstStyle/>
-          <a:p>
-            <a:endParaRPr lang="en-US" dirty="0"/>
-          </a:p>
-        </p:txBody>
-      </p:sp>
-      <p:sp>
-        <p:nvSpPr>
-          <p:cNvPr id="4" name="Slide Number Placeholder 3">
+      </p:pic>
+      <p:pic>
+        <p:nvPicPr>
+          <p:cNvPr id="2" name="Picture 4">
             <a:extLst>
               <a:ext uri="{FF2B5EF4-FFF2-40B4-BE49-F238E27FC236}">
-                <a16:creationId xmlns:a16="http://schemas.microsoft.com/office/drawing/2014/main" id="{FD1E69EA-A9E8-C521-7C62-DA1F24879918}"/>
+                <a16:creationId xmlns:a16="http://schemas.microsoft.com/office/drawing/2014/main" id="{75F20372-7E8B-0D9E-A4C5-90A31D969B87}"/>
               </a:ext>
             </a:extLst>
           </p:cNvPr>
-          <p:cNvSpPr>
-            <a:spLocks noGrp="1"/>
-          </p:cNvSpPr>
-          <p:nvPr>
-            <p:ph type="sldNum" sz="quarter" idx="12"/>
-          </p:nvPr>
-        </p:nvSpPr>
-        <p:spPr>
+          <p:cNvPicPr>
+            <a:picLocks noChangeAspect="1" noChangeArrowheads="1"/>
+          </p:cNvPicPr>
+          <p:nvPr/>
+        </p:nvPicPr>
+        <p:blipFill>
+          <a:blip r:embed="rId4">
+            <a:extLst>
+              <a:ext uri="{28A0092B-C50C-407E-A947-70E740481C1C}">
+                <a14:useLocalDpi xmlns:a14="http://schemas.microsoft.com/office/drawing/2010/main" val="0"/>
+              </a:ext>
+            </a:extLst>
+          </a:blip>
+          <a:srcRect/>
+          <a:stretch>
+            <a:fillRect/>
+          </a:stretch>
+        </p:blipFill>
+        <p:spPr bwMode="auto">
           <a:xfrm>
-            <a:off x="9140971" y="6226198"/>
-            <a:ext cx="2743200" cy="365125"/>
+            <a:off x="5905500" y="3545222"/>
+            <a:ext cx="5334000" cy="3200400"/>
           </a:xfrm>
+          <a:prstGeom prst="rect">
+            <a:avLst/>
+          </a:prstGeom>
+          <a:noFill/>
+          <a:extLst>
+            <a:ext uri="{909E8E84-426E-40DD-AFC4-6F175D3DCCD1}">
+              <a14:hiddenFill xmlns:a14="http://schemas.microsoft.com/office/drawing/2010/main">
+                <a:solidFill>
+                  <a:srgbClr val="FFFFFF"/>
+                </a:solidFill>
+              </a14:hiddenFill>
+            </a:ext>
+          </a:extLst>
         </p:spPr>
-        <p:txBody>
-          <a:bodyPr/>
-          <a:lstStyle/>
-          <a:p>
-            <a:fld id="{FE024F78-56A6-7740-B68D-8D4D026EDF3F}" type="slidenum">
-              <a:rPr lang="en-US" smtClean="0"/>
-              <a:pPr/>
-              <a:t>9</a:t>
-            </a:fld>
-            <a:endParaRPr lang="en-US" dirty="0"/>
-          </a:p>
-        </p:txBody>
-      </p:sp>
+      </p:pic>
     </p:spTree>
     <p:extLst>
       <p:ext uri="{BB962C8B-B14F-4D97-AF65-F5344CB8AC3E}">
-        <p14:creationId xmlns:p14="http://schemas.microsoft.com/office/powerpoint/2010/main" val="79695288"/>
+        <p14:creationId xmlns:p14="http://schemas.microsoft.com/office/powerpoint/2010/main" val="3646944523"/>
       </p:ext>
     </p:extLst>
   </p:cSld>
